--- a/Week 2/Keras 중간발표.pptx
+++ b/Week 2/Keras 중간발표.pptx
@@ -6,15 +6,18 @@
     <p:sldMasterId id="2147483661" r:id="rId2"/>
   </p:sldMasterIdLst>
   <p:notesMasterIdLst>
-    <p:notesMasterId r:id="rId9"/>
+    <p:notesMasterId r:id="rId12"/>
   </p:notesMasterIdLst>
   <p:sldIdLst>
     <p:sldId id="256" r:id="rId3"/>
-    <p:sldId id="323" r:id="rId4"/>
-    <p:sldId id="327" r:id="rId5"/>
-    <p:sldId id="325" r:id="rId6"/>
-    <p:sldId id="324" r:id="rId7"/>
-    <p:sldId id="326" r:id="rId8"/>
+    <p:sldId id="327" r:id="rId4"/>
+    <p:sldId id="330" r:id="rId5"/>
+    <p:sldId id="328" r:id="rId6"/>
+    <p:sldId id="325" r:id="rId7"/>
+    <p:sldId id="331" r:id="rId8"/>
+    <p:sldId id="324" r:id="rId9"/>
+    <p:sldId id="326" r:id="rId10"/>
+    <p:sldId id="329" r:id="rId11"/>
   </p:sldIdLst>
   <p:sldSz cx="9144000" cy="5143500" type="screen16x9"/>
   <p:notesSz cx="6858000" cy="9144000"/>
@@ -136,12 +139,399 @@
 <p1510:revInfo xmlns:a="http://schemas.openxmlformats.org/drawingml/2006/main" xmlns:r="http://schemas.openxmlformats.org/officeDocument/2006/relationships" xmlns:p1510="http://schemas.microsoft.com/office/powerpoint/2015/10/main">
   <p1510:revLst>
     <p1510:client id="{1C80BADE-2395-4351-85BB-AAA42105DF91}" v="2" dt="2020-08-03T10:23:52.312"/>
+    <p1510:client id="{C9309A7E-EA2F-4296-B076-D67755646F5D}" v="162" dt="2020-08-04T01:41:38.039"/>
   </p1510:revLst>
 </p1510:revInfo>
 </file>
 
 <file path=ppt/changesInfos/changesInfo1.xml><?xml version="1.0" encoding="utf-8"?>
 <pc:chgInfo xmlns:a="http://schemas.openxmlformats.org/drawingml/2006/main" xmlns:r="http://schemas.openxmlformats.org/officeDocument/2006/relationships" xmlns:ac="http://schemas.microsoft.com/office/drawing/2013/main/command" xmlns:pc="http://schemas.microsoft.com/office/powerpoint/2013/main/command">
+  <pc:docChgLst>
+    <pc:chgData name="강동인" userId="d08497cc-83d1-444a-8cd0-1d28f86db8cb" providerId="ADAL" clId="{C9309A7E-EA2F-4296-B076-D67755646F5D}"/>
+    <pc:docChg chg="undo custSel addSld delSld modSld sldOrd">
+      <pc:chgData name="강동인" userId="d08497cc-83d1-444a-8cd0-1d28f86db8cb" providerId="ADAL" clId="{C9309A7E-EA2F-4296-B076-D67755646F5D}" dt="2020-08-04T01:41:52.770" v="2141" actId="1076"/>
+      <pc:docMkLst>
+        <pc:docMk/>
+      </pc:docMkLst>
+      <pc:sldChg chg="delSp modSp del">
+        <pc:chgData name="강동인" userId="d08497cc-83d1-444a-8cd0-1d28f86db8cb" providerId="ADAL" clId="{C9309A7E-EA2F-4296-B076-D67755646F5D}" dt="2020-08-04T01:32:44.849" v="1855" actId="2696"/>
+        <pc:sldMkLst>
+          <pc:docMk/>
+          <pc:sldMk cId="1214848703" sldId="323"/>
+        </pc:sldMkLst>
+        <pc:spChg chg="del mod">
+          <ac:chgData name="강동인" userId="d08497cc-83d1-444a-8cd0-1d28f86db8cb" providerId="ADAL" clId="{C9309A7E-EA2F-4296-B076-D67755646F5D}" dt="2020-08-04T01:30:39.248" v="1742"/>
+          <ac:spMkLst>
+            <pc:docMk/>
+            <pc:sldMk cId="1214848703" sldId="323"/>
+            <ac:spMk id="8" creationId="{17C2BE7C-3A5F-4359-9B50-812EBF608CBA}"/>
+          </ac:spMkLst>
+        </pc:spChg>
+        <pc:picChg chg="del">
+          <ac:chgData name="강동인" userId="d08497cc-83d1-444a-8cd0-1d28f86db8cb" providerId="ADAL" clId="{C9309A7E-EA2F-4296-B076-D67755646F5D}" dt="2020-08-04T01:32:42.396" v="1854"/>
+          <ac:picMkLst>
+            <pc:docMk/>
+            <pc:sldMk cId="1214848703" sldId="323"/>
+            <ac:picMk id="4" creationId="{DE1764A1-6C33-443B-9FC2-A9DE9D018EF9}"/>
+          </ac:picMkLst>
+        </pc:picChg>
+        <pc:picChg chg="del">
+          <ac:chgData name="강동인" userId="d08497cc-83d1-444a-8cd0-1d28f86db8cb" providerId="ADAL" clId="{C9309A7E-EA2F-4296-B076-D67755646F5D}" dt="2020-08-04T01:32:42.396" v="1854"/>
+          <ac:picMkLst>
+            <pc:docMk/>
+            <pc:sldMk cId="1214848703" sldId="323"/>
+            <ac:picMk id="6" creationId="{47EA0D8E-0E52-4DBB-BD8D-A1F00B9CBA8E}"/>
+          </ac:picMkLst>
+        </pc:picChg>
+        <pc:picChg chg="del">
+          <ac:chgData name="강동인" userId="d08497cc-83d1-444a-8cd0-1d28f86db8cb" providerId="ADAL" clId="{C9309A7E-EA2F-4296-B076-D67755646F5D}" dt="2020-08-04T01:32:42.396" v="1854"/>
+          <ac:picMkLst>
+            <pc:docMk/>
+            <pc:sldMk cId="1214848703" sldId="323"/>
+            <ac:picMk id="7" creationId="{C67DAC51-CD53-4C34-AF76-E18EF34E0352}"/>
+          </ac:picMkLst>
+        </pc:picChg>
+      </pc:sldChg>
+      <pc:sldChg chg="delSp modSp">
+        <pc:chgData name="강동인" userId="d08497cc-83d1-444a-8cd0-1d28f86db8cb" providerId="ADAL" clId="{C9309A7E-EA2F-4296-B076-D67755646F5D}" dt="2020-08-04T01:36:40.772" v="2015" actId="20577"/>
+        <pc:sldMkLst>
+          <pc:docMk/>
+          <pc:sldMk cId="1237310408" sldId="325"/>
+        </pc:sldMkLst>
+        <pc:spChg chg="mod">
+          <ac:chgData name="강동인" userId="d08497cc-83d1-444a-8cd0-1d28f86db8cb" providerId="ADAL" clId="{C9309A7E-EA2F-4296-B076-D67755646F5D}" dt="2020-08-04T01:36:33.460" v="2009" actId="20577"/>
+          <ac:spMkLst>
+            <pc:docMk/>
+            <pc:sldMk cId="1237310408" sldId="325"/>
+            <ac:spMk id="3" creationId="{00000000-0000-0000-0000-000000000000}"/>
+          </ac:spMkLst>
+        </pc:spChg>
+        <pc:spChg chg="del mod">
+          <ac:chgData name="강동인" userId="d08497cc-83d1-444a-8cd0-1d28f86db8cb" providerId="ADAL" clId="{C9309A7E-EA2F-4296-B076-D67755646F5D}" dt="2020-08-04T01:32:26.143" v="1853" actId="478"/>
+          <ac:spMkLst>
+            <pc:docMk/>
+            <pc:sldMk cId="1237310408" sldId="325"/>
+            <ac:spMk id="4" creationId="{F9370F36-5624-49BF-8102-4C7AC78A4435}"/>
+          </ac:spMkLst>
+        </pc:spChg>
+        <pc:spChg chg="mod">
+          <ac:chgData name="강동인" userId="d08497cc-83d1-444a-8cd0-1d28f86db8cb" providerId="ADAL" clId="{C9309A7E-EA2F-4296-B076-D67755646F5D}" dt="2020-08-04T01:36:40.772" v="2015" actId="20577"/>
+          <ac:spMkLst>
+            <pc:docMk/>
+            <pc:sldMk cId="1237310408" sldId="325"/>
+            <ac:spMk id="5" creationId="{00000000-0000-0000-0000-000000000000}"/>
+          </ac:spMkLst>
+        </pc:spChg>
+      </pc:sldChg>
+      <pc:sldChg chg="addSp delSp modSp ord">
+        <pc:chgData name="강동인" userId="d08497cc-83d1-444a-8cd0-1d28f86db8cb" providerId="ADAL" clId="{C9309A7E-EA2F-4296-B076-D67755646F5D}" dt="2020-08-04T01:36:22.302" v="2004" actId="20577"/>
+        <pc:sldMkLst>
+          <pc:docMk/>
+          <pc:sldMk cId="506934684" sldId="327"/>
+        </pc:sldMkLst>
+        <pc:spChg chg="mod">
+          <ac:chgData name="강동인" userId="d08497cc-83d1-444a-8cd0-1d28f86db8cb" providerId="ADAL" clId="{C9309A7E-EA2F-4296-B076-D67755646F5D}" dt="2020-08-04T01:36:22.302" v="2004" actId="20577"/>
+          <ac:spMkLst>
+            <pc:docMk/>
+            <pc:sldMk cId="506934684" sldId="327"/>
+            <ac:spMk id="3" creationId="{00000000-0000-0000-0000-000000000000}"/>
+          </ac:spMkLst>
+        </pc:spChg>
+        <pc:spChg chg="add del mod">
+          <ac:chgData name="강동인" userId="d08497cc-83d1-444a-8cd0-1d28f86db8cb" providerId="ADAL" clId="{C9309A7E-EA2F-4296-B076-D67755646F5D}" dt="2020-08-04T01:30:16.248" v="1732" actId="478"/>
+          <ac:spMkLst>
+            <pc:docMk/>
+            <pc:sldMk cId="506934684" sldId="327"/>
+            <ac:spMk id="4" creationId="{2514BCFC-5857-45FE-AFBF-CE833C0E5E8A}"/>
+          </ac:spMkLst>
+        </pc:spChg>
+        <pc:picChg chg="mod">
+          <ac:chgData name="강동인" userId="d08497cc-83d1-444a-8cd0-1d28f86db8cb" providerId="ADAL" clId="{C9309A7E-EA2F-4296-B076-D67755646F5D}" dt="2020-08-04T01:27:48.905" v="1666" actId="14100"/>
+          <ac:picMkLst>
+            <pc:docMk/>
+            <pc:sldMk cId="506934684" sldId="327"/>
+            <ac:picMk id="2" creationId="{7C594476-8221-443C-9520-223A61595691}"/>
+          </ac:picMkLst>
+        </pc:picChg>
+      </pc:sldChg>
+      <pc:sldChg chg="addSp delSp modSp add modNotesTx">
+        <pc:chgData name="강동인" userId="d08497cc-83d1-444a-8cd0-1d28f86db8cb" providerId="ADAL" clId="{C9309A7E-EA2F-4296-B076-D67755646F5D}" dt="2020-08-04T01:36:16.492" v="1994" actId="6549"/>
+        <pc:sldMkLst>
+          <pc:docMk/>
+          <pc:sldMk cId="2390788921" sldId="328"/>
+        </pc:sldMkLst>
+        <pc:spChg chg="mod">
+          <ac:chgData name="강동인" userId="d08497cc-83d1-444a-8cd0-1d28f86db8cb" providerId="ADAL" clId="{C9309A7E-EA2F-4296-B076-D67755646F5D}" dt="2020-08-04T01:36:16.492" v="1994" actId="6549"/>
+          <ac:spMkLst>
+            <pc:docMk/>
+            <pc:sldMk cId="2390788921" sldId="328"/>
+            <ac:spMk id="3" creationId="{00000000-0000-0000-0000-000000000000}"/>
+          </ac:spMkLst>
+        </pc:spChg>
+        <pc:spChg chg="add del mod">
+          <ac:chgData name="강동인" userId="d08497cc-83d1-444a-8cd0-1d28f86db8cb" providerId="ADAL" clId="{C9309A7E-EA2F-4296-B076-D67755646F5D}" dt="2020-08-04T01:30:48.473" v="1747"/>
+          <ac:spMkLst>
+            <pc:docMk/>
+            <pc:sldMk cId="2390788921" sldId="328"/>
+            <ac:spMk id="4" creationId="{6BF99115-4ECD-4D4C-A46D-8C59436DA686}"/>
+          </ac:spMkLst>
+        </pc:spChg>
+        <pc:spChg chg="mod">
+          <ac:chgData name="강동인" userId="d08497cc-83d1-444a-8cd0-1d28f86db8cb" providerId="ADAL" clId="{C9309A7E-EA2F-4296-B076-D67755646F5D}" dt="2020-08-04T01:24:44.208" v="1642" actId="20577"/>
+          <ac:spMkLst>
+            <pc:docMk/>
+            <pc:sldMk cId="2390788921" sldId="328"/>
+            <ac:spMk id="5" creationId="{00000000-0000-0000-0000-000000000000}"/>
+          </ac:spMkLst>
+        </pc:spChg>
+        <pc:picChg chg="del">
+          <ac:chgData name="강동인" userId="d08497cc-83d1-444a-8cd0-1d28f86db8cb" providerId="ADAL" clId="{C9309A7E-EA2F-4296-B076-D67755646F5D}" dt="2020-08-04T01:16:41.854" v="2" actId="478"/>
+          <ac:picMkLst>
+            <pc:docMk/>
+            <pc:sldMk cId="2390788921" sldId="328"/>
+            <ac:picMk id="2" creationId="{7C594476-8221-443C-9520-223A61595691}"/>
+          </ac:picMkLst>
+        </pc:picChg>
+      </pc:sldChg>
+      <pc:sldChg chg="addSp delSp modSp add">
+        <pc:chgData name="강동인" userId="d08497cc-83d1-444a-8cd0-1d28f86db8cb" providerId="ADAL" clId="{C9309A7E-EA2F-4296-B076-D67755646F5D}" dt="2020-08-04T01:32:19.466" v="1852"/>
+        <pc:sldMkLst>
+          <pc:docMk/>
+          <pc:sldMk cId="2792657042" sldId="329"/>
+        </pc:sldMkLst>
+        <pc:spChg chg="add mod">
+          <ac:chgData name="강동인" userId="d08497cc-83d1-444a-8cd0-1d28f86db8cb" providerId="ADAL" clId="{C9309A7E-EA2F-4296-B076-D67755646F5D}" dt="2020-08-04T01:32:19.466" v="1852"/>
+          <ac:spMkLst>
+            <pc:docMk/>
+            <pc:sldMk cId="2792657042" sldId="329"/>
+            <ac:spMk id="2" creationId="{6BAF5D20-5BB5-49E6-8614-95E8849FEA4E}"/>
+          </ac:spMkLst>
+        </pc:spChg>
+        <pc:spChg chg="mod">
+          <ac:chgData name="강동인" userId="d08497cc-83d1-444a-8cd0-1d28f86db8cb" providerId="ADAL" clId="{C9309A7E-EA2F-4296-B076-D67755646F5D}" dt="2020-08-04T01:30:06.950" v="1730" actId="20577"/>
+          <ac:spMkLst>
+            <pc:docMk/>
+            <pc:sldMk cId="2792657042" sldId="329"/>
+            <ac:spMk id="3" creationId="{00000000-0000-0000-0000-000000000000}"/>
+          </ac:spMkLst>
+        </pc:spChg>
+        <pc:spChg chg="del">
+          <ac:chgData name="강동인" userId="d08497cc-83d1-444a-8cd0-1d28f86db8cb" providerId="ADAL" clId="{C9309A7E-EA2F-4296-B076-D67755646F5D}" dt="2020-08-04T01:29:57.806" v="1705" actId="478"/>
+          <ac:spMkLst>
+            <pc:docMk/>
+            <pc:sldMk cId="2792657042" sldId="329"/>
+            <ac:spMk id="6" creationId="{A2BE888C-CFD9-4135-B434-7D73FE744D26}"/>
+          </ac:spMkLst>
+        </pc:spChg>
+        <pc:spChg chg="del">
+          <ac:chgData name="강동인" userId="d08497cc-83d1-444a-8cd0-1d28f86db8cb" providerId="ADAL" clId="{C9309A7E-EA2F-4296-B076-D67755646F5D}" dt="2020-08-04T01:29:57.806" v="1705" actId="478"/>
+          <ac:spMkLst>
+            <pc:docMk/>
+            <pc:sldMk cId="2792657042" sldId="329"/>
+            <ac:spMk id="14" creationId="{EF933F5F-751C-4B83-A752-CEDDEAB3B4CE}"/>
+          </ac:spMkLst>
+        </pc:spChg>
+        <pc:spChg chg="del">
+          <ac:chgData name="강동인" userId="d08497cc-83d1-444a-8cd0-1d28f86db8cb" providerId="ADAL" clId="{C9309A7E-EA2F-4296-B076-D67755646F5D}" dt="2020-08-04T01:29:57.806" v="1705" actId="478"/>
+          <ac:spMkLst>
+            <pc:docMk/>
+            <pc:sldMk cId="2792657042" sldId="329"/>
+            <ac:spMk id="18" creationId="{B127DE44-DF0C-44DE-842B-4C6A862C99F5}"/>
+          </ac:spMkLst>
+        </pc:spChg>
+        <pc:picChg chg="del">
+          <ac:chgData name="강동인" userId="d08497cc-83d1-444a-8cd0-1d28f86db8cb" providerId="ADAL" clId="{C9309A7E-EA2F-4296-B076-D67755646F5D}" dt="2020-08-04T01:29:58.585" v="1706" actId="478"/>
+          <ac:picMkLst>
+            <pc:docMk/>
+            <pc:sldMk cId="2792657042" sldId="329"/>
+            <ac:picMk id="11" creationId="{2AAF6222-79C2-48A6-9F3C-CADEBE0C4E52}"/>
+          </ac:picMkLst>
+        </pc:picChg>
+        <pc:picChg chg="del">
+          <ac:chgData name="강동인" userId="d08497cc-83d1-444a-8cd0-1d28f86db8cb" providerId="ADAL" clId="{C9309A7E-EA2F-4296-B076-D67755646F5D}" dt="2020-08-04T01:29:57.806" v="1705" actId="478"/>
+          <ac:picMkLst>
+            <pc:docMk/>
+            <pc:sldMk cId="2792657042" sldId="329"/>
+            <ac:picMk id="12" creationId="{544C6584-C24D-45D0-BF9E-BBE086FB774F}"/>
+          </ac:picMkLst>
+        </pc:picChg>
+        <pc:picChg chg="del">
+          <ac:chgData name="강동인" userId="d08497cc-83d1-444a-8cd0-1d28f86db8cb" providerId="ADAL" clId="{C9309A7E-EA2F-4296-B076-D67755646F5D}" dt="2020-08-04T01:29:57.806" v="1705" actId="478"/>
+          <ac:picMkLst>
+            <pc:docMk/>
+            <pc:sldMk cId="2792657042" sldId="329"/>
+            <ac:picMk id="16" creationId="{678567E9-D900-4CE3-94A3-DEF6775645BF}"/>
+          </ac:picMkLst>
+        </pc:picChg>
+        <pc:picChg chg="del">
+          <ac:chgData name="강동인" userId="d08497cc-83d1-444a-8cd0-1d28f86db8cb" providerId="ADAL" clId="{C9309A7E-EA2F-4296-B076-D67755646F5D}" dt="2020-08-04T01:29:57.806" v="1705" actId="478"/>
+          <ac:picMkLst>
+            <pc:docMk/>
+            <pc:sldMk cId="2792657042" sldId="329"/>
+            <ac:picMk id="17" creationId="{CAFF3B57-FF7E-4F39-AFF8-44B433DFD1EC}"/>
+          </ac:picMkLst>
+        </pc:picChg>
+      </pc:sldChg>
+      <pc:sldChg chg="addSp delSp modSp add">
+        <pc:chgData name="강동인" userId="d08497cc-83d1-444a-8cd0-1d28f86db8cb" providerId="ADAL" clId="{C9309A7E-EA2F-4296-B076-D67755646F5D}" dt="2020-08-04T01:36:18.791" v="1998" actId="20577"/>
+        <pc:sldMkLst>
+          <pc:docMk/>
+          <pc:sldMk cId="29711541" sldId="330"/>
+        </pc:sldMkLst>
+        <pc:spChg chg="del">
+          <ac:chgData name="강동인" userId="d08497cc-83d1-444a-8cd0-1d28f86db8cb" providerId="ADAL" clId="{C9309A7E-EA2F-4296-B076-D67755646F5D}" dt="2020-08-04T01:32:52.198" v="1857"/>
+          <ac:spMkLst>
+            <pc:docMk/>
+            <pc:sldMk cId="29711541" sldId="330"/>
+            <ac:spMk id="2" creationId="{3141958C-0582-4354-98B8-34B3A3E142C2}"/>
+          </ac:spMkLst>
+        </pc:spChg>
+        <pc:spChg chg="del">
+          <ac:chgData name="강동인" userId="d08497cc-83d1-444a-8cd0-1d28f86db8cb" providerId="ADAL" clId="{C9309A7E-EA2F-4296-B076-D67755646F5D}" dt="2020-08-04T01:32:52.198" v="1857"/>
+          <ac:spMkLst>
+            <pc:docMk/>
+            <pc:sldMk cId="29711541" sldId="330"/>
+            <ac:spMk id="3" creationId="{5DF6D723-84CF-493E-A467-3A4206E321D9}"/>
+          </ac:spMkLst>
+        </pc:spChg>
+        <pc:spChg chg="del">
+          <ac:chgData name="강동인" userId="d08497cc-83d1-444a-8cd0-1d28f86db8cb" providerId="ADAL" clId="{C9309A7E-EA2F-4296-B076-D67755646F5D}" dt="2020-08-04T01:32:52.198" v="1857"/>
+          <ac:spMkLst>
+            <pc:docMk/>
+            <pc:sldMk cId="29711541" sldId="330"/>
+            <ac:spMk id="4" creationId="{E2A83190-496D-4C1D-8D85-AA8D6CB79289}"/>
+          </ac:spMkLst>
+        </pc:spChg>
+        <pc:spChg chg="add del mod">
+          <ac:chgData name="강동인" userId="d08497cc-83d1-444a-8cd0-1d28f86db8cb" providerId="ADAL" clId="{C9309A7E-EA2F-4296-B076-D67755646F5D}" dt="2020-08-04T01:33:34.939" v="1913" actId="478"/>
+          <ac:spMkLst>
+            <pc:docMk/>
+            <pc:sldMk cId="29711541" sldId="330"/>
+            <ac:spMk id="8" creationId="{A2B5FD45-13A4-478F-BCC5-7B9194D0355E}"/>
+          </ac:spMkLst>
+        </pc:spChg>
+        <pc:spChg chg="add mod">
+          <ac:chgData name="강동인" userId="d08497cc-83d1-444a-8cd0-1d28f86db8cb" providerId="ADAL" clId="{C9309A7E-EA2F-4296-B076-D67755646F5D}" dt="2020-08-04T01:36:18.791" v="1998" actId="20577"/>
+          <ac:spMkLst>
+            <pc:docMk/>
+            <pc:sldMk cId="29711541" sldId="330"/>
+            <ac:spMk id="9" creationId="{56FD77A1-AA79-4F88-9D07-01FA23BE1B05}"/>
+          </ac:spMkLst>
+        </pc:spChg>
+        <pc:picChg chg="add mod">
+          <ac:chgData name="강동인" userId="d08497cc-83d1-444a-8cd0-1d28f86db8cb" providerId="ADAL" clId="{C9309A7E-EA2F-4296-B076-D67755646F5D}" dt="2020-08-04T01:34:00.496" v="1947" actId="1076"/>
+          <ac:picMkLst>
+            <pc:docMk/>
+            <pc:sldMk cId="29711541" sldId="330"/>
+            <ac:picMk id="5" creationId="{0BC130EE-4B4A-41FB-95D8-23C64F9BB00E}"/>
+          </ac:picMkLst>
+        </pc:picChg>
+        <pc:picChg chg="add">
+          <ac:chgData name="강동인" userId="d08497cc-83d1-444a-8cd0-1d28f86db8cb" providerId="ADAL" clId="{C9309A7E-EA2F-4296-B076-D67755646F5D}" dt="2020-08-04T01:32:53.318" v="1858"/>
+          <ac:picMkLst>
+            <pc:docMk/>
+            <pc:sldMk cId="29711541" sldId="330"/>
+            <ac:picMk id="6" creationId="{BDBA3946-3DE5-4525-9D69-969CD2CEDF14}"/>
+          </ac:picMkLst>
+        </pc:picChg>
+        <pc:picChg chg="add">
+          <ac:chgData name="강동인" userId="d08497cc-83d1-444a-8cd0-1d28f86db8cb" providerId="ADAL" clId="{C9309A7E-EA2F-4296-B076-D67755646F5D}" dt="2020-08-04T01:32:53.318" v="1858"/>
+          <ac:picMkLst>
+            <pc:docMk/>
+            <pc:sldMk cId="29711541" sldId="330"/>
+            <ac:picMk id="7" creationId="{110BAB81-CFA2-4580-AD43-94053887A083}"/>
+          </ac:picMkLst>
+        </pc:picChg>
+      </pc:sldChg>
+      <pc:sldChg chg="addSp delSp modSp add modNotesTx">
+        <pc:chgData name="강동인" userId="d08497cc-83d1-444a-8cd0-1d28f86db8cb" providerId="ADAL" clId="{C9309A7E-EA2F-4296-B076-D67755646F5D}" dt="2020-08-04T01:41:52.770" v="2141" actId="1076"/>
+        <pc:sldMkLst>
+          <pc:docMk/>
+          <pc:sldMk cId="3779592882" sldId="331"/>
+        </pc:sldMkLst>
+        <pc:spChg chg="mod">
+          <ac:chgData name="강동인" userId="d08497cc-83d1-444a-8cd0-1d28f86db8cb" providerId="ADAL" clId="{C9309A7E-EA2F-4296-B076-D67755646F5D}" dt="2020-08-04T01:37:44.541" v="2038" actId="20577"/>
+          <ac:spMkLst>
+            <pc:docMk/>
+            <pc:sldMk cId="3779592882" sldId="331"/>
+            <ac:spMk id="3" creationId="{00000000-0000-0000-0000-000000000000}"/>
+          </ac:spMkLst>
+        </pc:spChg>
+        <pc:spChg chg="add del mod">
+          <ac:chgData name="강동인" userId="d08497cc-83d1-444a-8cd0-1d28f86db8cb" providerId="ADAL" clId="{C9309A7E-EA2F-4296-B076-D67755646F5D}" dt="2020-08-04T01:37:52.905" v="2043" actId="478"/>
+          <ac:spMkLst>
+            <pc:docMk/>
+            <pc:sldMk cId="3779592882" sldId="331"/>
+            <ac:spMk id="4" creationId="{8492E6D7-8385-4A27-BF85-FF2B1093DC9B}"/>
+          </ac:spMkLst>
+        </pc:spChg>
+        <pc:spChg chg="del mod">
+          <ac:chgData name="강동인" userId="d08497cc-83d1-444a-8cd0-1d28f86db8cb" providerId="ADAL" clId="{C9309A7E-EA2F-4296-B076-D67755646F5D}" dt="2020-08-04T01:37:51.100" v="2042" actId="478"/>
+          <ac:spMkLst>
+            <pc:docMk/>
+            <pc:sldMk cId="3779592882" sldId="331"/>
+            <ac:spMk id="5" creationId="{00000000-0000-0000-0000-000000000000}"/>
+          </ac:spMkLst>
+        </pc:spChg>
+        <pc:spChg chg="del">
+          <ac:chgData name="강동인" userId="d08497cc-83d1-444a-8cd0-1d28f86db8cb" providerId="ADAL" clId="{C9309A7E-EA2F-4296-B076-D67755646F5D}" dt="2020-08-04T01:37:48.871" v="2040" actId="478"/>
+          <ac:spMkLst>
+            <pc:docMk/>
+            <pc:sldMk cId="3779592882" sldId="331"/>
+            <ac:spMk id="8" creationId="{B98BF584-3B1F-461D-B2FE-084CF39291B5}"/>
+          </ac:spMkLst>
+        </pc:spChg>
+        <pc:spChg chg="del">
+          <ac:chgData name="강동인" userId="d08497cc-83d1-444a-8cd0-1d28f86db8cb" providerId="ADAL" clId="{C9309A7E-EA2F-4296-B076-D67755646F5D}" dt="2020-08-04T01:37:48.871" v="2040" actId="478"/>
+          <ac:spMkLst>
+            <pc:docMk/>
+            <pc:sldMk cId="3779592882" sldId="331"/>
+            <ac:spMk id="9" creationId="{1E22C976-D321-4B73-9B24-7FB4BFFE6AD1}"/>
+          </ac:spMkLst>
+        </pc:spChg>
+        <pc:spChg chg="add del">
+          <ac:chgData name="강동인" userId="d08497cc-83d1-444a-8cd0-1d28f86db8cb" providerId="ADAL" clId="{C9309A7E-EA2F-4296-B076-D67755646F5D}" dt="2020-08-04T01:39:33.752" v="2061"/>
+          <ac:spMkLst>
+            <pc:docMk/>
+            <pc:sldMk cId="3779592882" sldId="331"/>
+            <ac:spMk id="12" creationId="{D69E97DB-39E4-4DFD-A977-D598037B8EA9}"/>
+          </ac:spMkLst>
+        </pc:spChg>
+        <pc:spChg chg="add mod">
+          <ac:chgData name="강동인" userId="d08497cc-83d1-444a-8cd0-1d28f86db8cb" providerId="ADAL" clId="{C9309A7E-EA2F-4296-B076-D67755646F5D}" dt="2020-08-04T01:41:52.770" v="2141" actId="1076"/>
+          <ac:spMkLst>
+            <pc:docMk/>
+            <pc:sldMk cId="3779592882" sldId="331"/>
+            <ac:spMk id="13" creationId="{0E883E78-7549-452C-8AEE-E5692919CCFF}"/>
+          </ac:spMkLst>
+        </pc:spChg>
+        <pc:picChg chg="del">
+          <ac:chgData name="강동인" userId="d08497cc-83d1-444a-8cd0-1d28f86db8cb" providerId="ADAL" clId="{C9309A7E-EA2F-4296-B076-D67755646F5D}" dt="2020-08-04T01:37:47.728" v="2039" actId="478"/>
+          <ac:picMkLst>
+            <pc:docMk/>
+            <pc:sldMk cId="3779592882" sldId="331"/>
+            <ac:picMk id="7" creationId="{9D97D1FC-1A6B-49E2-8908-B955A4B684C0}"/>
+          </ac:picMkLst>
+        </pc:picChg>
+        <pc:picChg chg="add mod">
+          <ac:chgData name="강동인" userId="d08497cc-83d1-444a-8cd0-1d28f86db8cb" providerId="ADAL" clId="{C9309A7E-EA2F-4296-B076-D67755646F5D}" dt="2020-08-04T01:41:46.785" v="2140" actId="1076"/>
+          <ac:picMkLst>
+            <pc:docMk/>
+            <pc:sldMk cId="3779592882" sldId="331"/>
+            <ac:picMk id="10" creationId="{6A804228-3A73-4351-86EF-E108788051DE}"/>
+          </ac:picMkLst>
+        </pc:picChg>
+        <pc:picChg chg="add mod">
+          <ac:chgData name="강동인" userId="d08497cc-83d1-444a-8cd0-1d28f86db8cb" providerId="ADAL" clId="{C9309A7E-EA2F-4296-B076-D67755646F5D}" dt="2020-08-04T01:41:46.785" v="2140" actId="1076"/>
+          <ac:picMkLst>
+            <pc:docMk/>
+            <pc:sldMk cId="3779592882" sldId="331"/>
+            <ac:picMk id="11" creationId="{6BCCBF3A-3AE0-4405-93CE-F8E94DC967E6}"/>
+          </ac:picMkLst>
+        </pc:picChg>
+      </pc:sldChg>
+    </pc:docChg>
+  </pc:docChgLst>
   <pc:docChgLst>
     <pc:chgData name="강동인" userId="d08497cc-83d1-444a-8cd0-1d28f86db8cb" providerId="ADAL" clId="{1C80BADE-2395-4351-85BB-AAA42105DF91}"/>
     <pc:docChg chg="modSld">
@@ -243,7 +633,7 @@
           <a:p>
             <a:fld id="{D775D13C-90B4-4215-B629-B45E1158ECAB}" type="datetimeFigureOut">
               <a:rPr lang="ko-KR" altLang="en-US" smtClean="0"/>
-              <a:t>2020-08-03</a:t>
+              <a:t>2020-08-04</a:t>
             </a:fld>
             <a:endParaRPr lang="ko-KR" altLang="en-US"/>
           </a:p>
@@ -555,7 +945,7 @@
           <a:lstStyle/>
           <a:p>
             <a:r>
-              <a:rPr lang="en-US" altLang="ko-KR" sz="1200" b="0" i="0" kern="1200" dirty="0" err="1">
+              <a:rPr lang="ko-KR" altLang="en-US" sz="1200" b="0" i="0" kern="1200" dirty="0" err="1">
                 <a:solidFill>
                   <a:schemeClr val="tx1"/>
                 </a:solidFill>
@@ -564,10 +954,10 @@
                 <a:ea typeface="+mn-ea"/>
                 <a:cs typeface="+mn-cs"/>
               </a:rPr>
-              <a:t>Keras</a:t>
-            </a:r>
-            <a:r>
-              <a:rPr lang="en-US" altLang="ko-KR" sz="1200" b="0" i="0" kern="1200" dirty="0">
+              <a:t>케라스는</a:t>
+            </a:r>
+            <a:r>
+              <a:rPr lang="ko-KR" altLang="en-US" sz="1200" b="0" i="0" kern="1200" dirty="0">
                 <a:solidFill>
                   <a:schemeClr val="tx1"/>
                 </a:solidFill>
@@ -579,6 +969,18 @@
               <a:t> </a:t>
             </a:r>
             <a:r>
+              <a:rPr lang="ko-KR" altLang="en-US" sz="1200" b="0" i="0" kern="1200" dirty="0" err="1">
+                <a:solidFill>
+                  <a:schemeClr val="tx1"/>
+                </a:solidFill>
+                <a:effectLst/>
+                <a:latin typeface="+mn-lt"/>
+                <a:ea typeface="+mn-ea"/>
+                <a:cs typeface="+mn-cs"/>
+              </a:rPr>
+              <a:t>파이썬으로</a:t>
+            </a:r>
+            <a:r>
               <a:rPr lang="ko-KR" altLang="en-US" sz="1200" b="0" i="0" kern="1200" dirty="0">
                 <a:solidFill>
                   <a:schemeClr val="tx1"/>
@@ -588,7 +990,319 @@
                 <a:ea typeface="+mn-ea"/>
                 <a:cs typeface="+mn-cs"/>
               </a:rPr>
-              <a:t>탄생 배경</a:t>
+              <a:t> 구현된 쉽고 간결한 딥러닝 라이브러리입니다</a:t>
+            </a:r>
+            <a:r>
+              <a:rPr lang="en-US" altLang="ko-KR" sz="1200" b="0" i="0" kern="1200" dirty="0">
+                <a:solidFill>
+                  <a:schemeClr val="tx1"/>
+                </a:solidFill>
+                <a:effectLst/>
+                <a:latin typeface="+mn-lt"/>
+                <a:ea typeface="+mn-ea"/>
+                <a:cs typeface="+mn-cs"/>
+              </a:rPr>
+              <a:t>. </a:t>
+            </a:r>
+            <a:r>
+              <a:rPr lang="ko-KR" altLang="en-US" sz="1200" b="0" i="0" kern="1200" dirty="0">
+                <a:solidFill>
+                  <a:schemeClr val="tx1"/>
+                </a:solidFill>
+                <a:effectLst/>
+                <a:latin typeface="+mn-lt"/>
+                <a:ea typeface="+mn-ea"/>
+                <a:cs typeface="+mn-cs"/>
+              </a:rPr>
+              <a:t>딥러닝 비전문가라도 각자 분야에서 손쉽게 딥러닝 모델을 개발하고 활용할 수 있도록 </a:t>
+            </a:r>
+            <a:r>
+              <a:rPr lang="ko-KR" altLang="en-US" sz="1200" b="0" i="0" kern="1200" dirty="0" err="1">
+                <a:solidFill>
+                  <a:schemeClr val="tx1"/>
+                </a:solidFill>
+                <a:effectLst/>
+                <a:latin typeface="+mn-lt"/>
+                <a:ea typeface="+mn-ea"/>
+                <a:cs typeface="+mn-cs"/>
+              </a:rPr>
+              <a:t>케라스는</a:t>
+            </a:r>
+            <a:r>
+              <a:rPr lang="ko-KR" altLang="en-US" sz="1200" b="0" i="0" kern="1200" dirty="0">
+                <a:solidFill>
+                  <a:schemeClr val="tx1"/>
+                </a:solidFill>
+                <a:effectLst/>
+                <a:latin typeface="+mn-lt"/>
+                <a:ea typeface="+mn-ea"/>
+                <a:cs typeface="+mn-cs"/>
+              </a:rPr>
+              <a:t> 직관적인 </a:t>
+            </a:r>
+            <a:r>
+              <a:rPr lang="en-US" altLang="ko-KR" sz="1200" b="0" i="0" kern="1200" dirty="0">
+                <a:solidFill>
+                  <a:schemeClr val="tx1"/>
+                </a:solidFill>
+                <a:effectLst/>
+                <a:latin typeface="+mn-lt"/>
+                <a:ea typeface="+mn-ea"/>
+                <a:cs typeface="+mn-cs"/>
+              </a:rPr>
+              <a:t>API</a:t>
+            </a:r>
+            <a:r>
+              <a:rPr lang="ko-KR" altLang="en-US" sz="1200" b="0" i="0" kern="1200" dirty="0">
+                <a:solidFill>
+                  <a:schemeClr val="tx1"/>
+                </a:solidFill>
+                <a:effectLst/>
+                <a:latin typeface="+mn-lt"/>
+                <a:ea typeface="+mn-ea"/>
+                <a:cs typeface="+mn-cs"/>
+              </a:rPr>
+              <a:t>를 제공하고 있습니다</a:t>
+            </a:r>
+            <a:r>
+              <a:rPr lang="en-US" altLang="ko-KR" sz="1200" b="0" i="0" kern="1200" dirty="0">
+                <a:solidFill>
+                  <a:schemeClr val="tx1"/>
+                </a:solidFill>
+                <a:effectLst/>
+                <a:latin typeface="+mn-lt"/>
+                <a:ea typeface="+mn-ea"/>
+                <a:cs typeface="+mn-cs"/>
+              </a:rPr>
+              <a:t>. </a:t>
+            </a:r>
+            <a:r>
+              <a:rPr lang="ko-KR" altLang="en-US" sz="1200" b="0" i="0" kern="1200" dirty="0">
+                <a:solidFill>
+                  <a:schemeClr val="tx1"/>
+                </a:solidFill>
+                <a:effectLst/>
+                <a:latin typeface="+mn-lt"/>
+                <a:ea typeface="+mn-ea"/>
+                <a:cs typeface="+mn-cs"/>
+              </a:rPr>
+              <a:t>내부적으로는 </a:t>
+            </a:r>
+            <a:r>
+              <a:rPr lang="ko-KR" altLang="en-US" sz="1200" b="0" i="0" kern="1200" dirty="0" err="1">
+                <a:solidFill>
+                  <a:schemeClr val="tx1"/>
+                </a:solidFill>
+                <a:effectLst/>
+                <a:latin typeface="+mn-lt"/>
+                <a:ea typeface="+mn-ea"/>
+                <a:cs typeface="+mn-cs"/>
+              </a:rPr>
+              <a:t>텐서플로우</a:t>
+            </a:r>
+            <a:r>
+              <a:rPr lang="en-US" altLang="ko-KR" sz="1200" b="0" i="0" kern="1200" dirty="0">
+                <a:solidFill>
+                  <a:schemeClr val="tx1"/>
+                </a:solidFill>
+                <a:effectLst/>
+                <a:latin typeface="+mn-lt"/>
+                <a:ea typeface="+mn-ea"/>
+                <a:cs typeface="+mn-cs"/>
+              </a:rPr>
+              <a:t>(TensorFlow), </a:t>
+            </a:r>
+            <a:r>
+              <a:rPr lang="ko-KR" altLang="en-US" sz="1200" b="0" i="0" kern="1200" dirty="0" err="1">
+                <a:solidFill>
+                  <a:schemeClr val="tx1"/>
+                </a:solidFill>
+                <a:effectLst/>
+                <a:latin typeface="+mn-lt"/>
+                <a:ea typeface="+mn-ea"/>
+                <a:cs typeface="+mn-cs"/>
+              </a:rPr>
+              <a:t>티아노</a:t>
+            </a:r>
+            <a:r>
+              <a:rPr lang="en-US" altLang="ko-KR" sz="1200" b="0" i="0" kern="1200" dirty="0">
+                <a:solidFill>
+                  <a:schemeClr val="tx1"/>
+                </a:solidFill>
+                <a:effectLst/>
+                <a:latin typeface="+mn-lt"/>
+                <a:ea typeface="+mn-ea"/>
+                <a:cs typeface="+mn-cs"/>
+              </a:rPr>
+              <a:t>(Theano), CNTK </a:t>
+            </a:r>
+            <a:r>
+              <a:rPr lang="ko-KR" altLang="en-US" sz="1200" b="0" i="0" kern="1200" dirty="0">
+                <a:solidFill>
+                  <a:schemeClr val="tx1"/>
+                </a:solidFill>
+                <a:effectLst/>
+                <a:latin typeface="+mn-lt"/>
+                <a:ea typeface="+mn-ea"/>
+                <a:cs typeface="+mn-cs"/>
+              </a:rPr>
+              <a:t>등의 딥러닝 전용 엔진이 구동되지만 </a:t>
+            </a:r>
+            <a:r>
+              <a:rPr lang="ko-KR" altLang="en-US" sz="1200" b="0" i="0" kern="1200" dirty="0" err="1">
+                <a:solidFill>
+                  <a:schemeClr val="tx1"/>
+                </a:solidFill>
+                <a:effectLst/>
+                <a:latin typeface="+mn-lt"/>
+                <a:ea typeface="+mn-ea"/>
+                <a:cs typeface="+mn-cs"/>
+              </a:rPr>
+              <a:t>케라스</a:t>
+            </a:r>
+            <a:r>
+              <a:rPr lang="ko-KR" altLang="en-US" sz="1200" b="0" i="0" kern="1200" dirty="0">
+                <a:solidFill>
+                  <a:schemeClr val="tx1"/>
+                </a:solidFill>
+                <a:effectLst/>
+                <a:latin typeface="+mn-lt"/>
+                <a:ea typeface="+mn-ea"/>
+                <a:cs typeface="+mn-cs"/>
+              </a:rPr>
+              <a:t> 사용자는 복잡한 내부 엔진을 알 필요는 없습니다</a:t>
+            </a:r>
+            <a:r>
+              <a:rPr lang="en-US" altLang="ko-KR" sz="1200" b="0" i="0" kern="1200" dirty="0">
+                <a:solidFill>
+                  <a:schemeClr val="tx1"/>
+                </a:solidFill>
+                <a:effectLst/>
+                <a:latin typeface="+mn-lt"/>
+                <a:ea typeface="+mn-ea"/>
+                <a:cs typeface="+mn-cs"/>
+              </a:rPr>
+              <a:t>. </a:t>
+            </a:r>
+            <a:r>
+              <a:rPr lang="ko-KR" altLang="en-US" sz="1200" b="0" i="0" kern="1200" dirty="0">
+                <a:solidFill>
+                  <a:schemeClr val="tx1"/>
+                </a:solidFill>
+                <a:effectLst/>
+                <a:latin typeface="+mn-lt"/>
+                <a:ea typeface="+mn-ea"/>
+                <a:cs typeface="+mn-cs"/>
+              </a:rPr>
+              <a:t>직관적인 </a:t>
+            </a:r>
+            <a:r>
+              <a:rPr lang="en-US" altLang="ko-KR" sz="1200" b="0" i="0" kern="1200" dirty="0">
+                <a:solidFill>
+                  <a:schemeClr val="tx1"/>
+                </a:solidFill>
+                <a:effectLst/>
+                <a:latin typeface="+mn-lt"/>
+                <a:ea typeface="+mn-ea"/>
+                <a:cs typeface="+mn-cs"/>
+              </a:rPr>
+              <a:t>API</a:t>
+            </a:r>
+            <a:r>
+              <a:rPr lang="ko-KR" altLang="en-US" sz="1200" b="0" i="0" kern="1200" dirty="0">
+                <a:solidFill>
+                  <a:schemeClr val="tx1"/>
+                </a:solidFill>
+                <a:effectLst/>
+                <a:latin typeface="+mn-lt"/>
+                <a:ea typeface="+mn-ea"/>
+                <a:cs typeface="+mn-cs"/>
+              </a:rPr>
+              <a:t>로 쉽게 </a:t>
+            </a:r>
+            <a:r>
+              <a:rPr lang="ko-KR" altLang="en-US" sz="1200" b="0" i="0" kern="1200" dirty="0" err="1">
+                <a:solidFill>
+                  <a:schemeClr val="tx1"/>
+                </a:solidFill>
+                <a:effectLst/>
+                <a:latin typeface="+mn-lt"/>
+                <a:ea typeface="+mn-ea"/>
+                <a:cs typeface="+mn-cs"/>
+              </a:rPr>
+              <a:t>다층퍼셉트론</a:t>
+            </a:r>
+            <a:r>
+              <a:rPr lang="ko-KR" altLang="en-US" sz="1200" b="0" i="0" kern="1200" dirty="0">
+                <a:solidFill>
+                  <a:schemeClr val="tx1"/>
+                </a:solidFill>
+                <a:effectLst/>
+                <a:latin typeface="+mn-lt"/>
+                <a:ea typeface="+mn-ea"/>
+                <a:cs typeface="+mn-cs"/>
+              </a:rPr>
+              <a:t> 모델</a:t>
+            </a:r>
+            <a:r>
+              <a:rPr lang="en-US" altLang="ko-KR" sz="1200" b="0" i="0" kern="1200" dirty="0">
+                <a:solidFill>
+                  <a:schemeClr val="tx1"/>
+                </a:solidFill>
+                <a:effectLst/>
+                <a:latin typeface="+mn-lt"/>
+                <a:ea typeface="+mn-ea"/>
+                <a:cs typeface="+mn-cs"/>
+              </a:rPr>
+              <a:t>, </a:t>
+            </a:r>
+            <a:r>
+              <a:rPr lang="ko-KR" altLang="en-US" sz="1200" b="0" i="0" kern="1200" dirty="0" err="1">
+                <a:solidFill>
+                  <a:schemeClr val="tx1"/>
+                </a:solidFill>
+                <a:effectLst/>
+                <a:latin typeface="+mn-lt"/>
+                <a:ea typeface="+mn-ea"/>
+                <a:cs typeface="+mn-cs"/>
+              </a:rPr>
+              <a:t>컨볼루션</a:t>
+            </a:r>
+            <a:r>
+              <a:rPr lang="ko-KR" altLang="en-US" sz="1200" b="0" i="0" kern="1200" dirty="0">
+                <a:solidFill>
+                  <a:schemeClr val="tx1"/>
+                </a:solidFill>
+                <a:effectLst/>
+                <a:latin typeface="+mn-lt"/>
+                <a:ea typeface="+mn-ea"/>
+                <a:cs typeface="+mn-cs"/>
+              </a:rPr>
+              <a:t> 신경망 모델</a:t>
+            </a:r>
+            <a:r>
+              <a:rPr lang="en-US" altLang="ko-KR" sz="1200" b="0" i="0" kern="1200" dirty="0">
+                <a:solidFill>
+                  <a:schemeClr val="tx1"/>
+                </a:solidFill>
+                <a:effectLst/>
+                <a:latin typeface="+mn-lt"/>
+                <a:ea typeface="+mn-ea"/>
+                <a:cs typeface="+mn-cs"/>
+              </a:rPr>
+              <a:t>, </a:t>
+            </a:r>
+            <a:r>
+              <a:rPr lang="ko-KR" altLang="en-US" sz="1200" b="0" i="0" kern="1200" dirty="0">
+                <a:solidFill>
+                  <a:schemeClr val="tx1"/>
+                </a:solidFill>
+                <a:effectLst/>
+                <a:latin typeface="+mn-lt"/>
+                <a:ea typeface="+mn-ea"/>
+                <a:cs typeface="+mn-cs"/>
+              </a:rPr>
+              <a:t>순환 신경망 모델 또는 이를 조합한 모델은 물론 다중 입력 또는 다중 출력 등 다양한 구성을 할 수 있습니다</a:t>
             </a:r>
             <a:r>
               <a:rPr lang="en-US" altLang="ko-KR" sz="1200" b="0" i="0" kern="1200" dirty="0">
@@ -602,259 +1316,6 @@
               </a:rPr>
               <a:t>.</a:t>
             </a:r>
-          </a:p>
-          <a:p>
-            <a:r>
-              <a:rPr lang="ko-KR" altLang="en-US" sz="1200" b="0" i="0" kern="1200" dirty="0" err="1">
-                <a:solidFill>
-                  <a:schemeClr val="tx1"/>
-                </a:solidFill>
-                <a:effectLst/>
-                <a:latin typeface="+mn-lt"/>
-                <a:ea typeface="+mn-ea"/>
-                <a:cs typeface="+mn-cs"/>
-              </a:rPr>
-              <a:t>파이썬으로</a:t>
-            </a:r>
-            <a:r>
-              <a:rPr lang="ko-KR" altLang="en-US" sz="1200" b="0" i="0" kern="1200" dirty="0">
-                <a:solidFill>
-                  <a:schemeClr val="tx1"/>
-                </a:solidFill>
-                <a:effectLst/>
-                <a:latin typeface="+mn-lt"/>
-                <a:ea typeface="+mn-ea"/>
-                <a:cs typeface="+mn-cs"/>
-              </a:rPr>
-              <a:t> 구현된 </a:t>
-            </a:r>
-            <a:r>
-              <a:rPr lang="en-US" altLang="ko-KR" sz="1200" b="0" i="0" kern="1200" dirty="0">
-                <a:solidFill>
-                  <a:schemeClr val="tx1"/>
-                </a:solidFill>
-                <a:effectLst/>
-                <a:latin typeface="+mn-lt"/>
-                <a:ea typeface="+mn-ea"/>
-                <a:cs typeface="+mn-cs"/>
-              </a:rPr>
-              <a:t>Theano</a:t>
-            </a:r>
-            <a:r>
-              <a:rPr lang="ko-KR" altLang="en-US" sz="1200" b="0" i="0" kern="1200" dirty="0">
-                <a:solidFill>
-                  <a:schemeClr val="tx1"/>
-                </a:solidFill>
-                <a:effectLst/>
-                <a:latin typeface="+mn-lt"/>
-                <a:ea typeface="+mn-ea"/>
-                <a:cs typeface="+mn-cs"/>
-              </a:rPr>
-              <a:t>를 좋아하지만 너무 어려워서 프랑소와 </a:t>
-            </a:r>
-            <a:r>
-              <a:rPr lang="ko-KR" altLang="en-US" sz="1200" b="0" i="0" kern="1200" dirty="0" err="1">
-                <a:solidFill>
-                  <a:schemeClr val="tx1"/>
-                </a:solidFill>
-                <a:effectLst/>
-                <a:latin typeface="+mn-lt"/>
-                <a:ea typeface="+mn-ea"/>
-                <a:cs typeface="+mn-cs"/>
-              </a:rPr>
-              <a:t>숄레가</a:t>
-            </a:r>
-            <a:r>
-              <a:rPr lang="ko-KR" altLang="en-US" sz="1200" b="0" i="0" kern="1200" dirty="0">
-                <a:solidFill>
-                  <a:schemeClr val="tx1"/>
-                </a:solidFill>
-                <a:effectLst/>
-                <a:latin typeface="+mn-lt"/>
-                <a:ea typeface="+mn-ea"/>
-                <a:cs typeface="+mn-cs"/>
-              </a:rPr>
-              <a:t> 쉽게 만듦</a:t>
-            </a:r>
-            <a:r>
-              <a:rPr lang="en-US" altLang="ko-KR" sz="1200" b="0" i="0" kern="1200" dirty="0">
-                <a:solidFill>
-                  <a:schemeClr val="tx1"/>
-                </a:solidFill>
-                <a:effectLst/>
-                <a:latin typeface="+mn-lt"/>
-                <a:ea typeface="+mn-ea"/>
-                <a:cs typeface="+mn-cs"/>
-              </a:rPr>
-              <a:t>.</a:t>
-            </a:r>
-          </a:p>
-          <a:p>
-            <a:r>
-              <a:rPr lang="en-US" altLang="ko-KR" sz="1200" b="0" i="0" kern="1200" dirty="0" err="1">
-                <a:solidFill>
-                  <a:schemeClr val="tx1"/>
-                </a:solidFill>
-                <a:effectLst/>
-                <a:latin typeface="+mn-lt"/>
-                <a:ea typeface="+mn-ea"/>
-                <a:cs typeface="+mn-cs"/>
-              </a:rPr>
-              <a:t>Keras</a:t>
-            </a:r>
-            <a:r>
-              <a:rPr lang="ko-KR" altLang="en-US" sz="1200" b="0" i="0" kern="1200" dirty="0">
-                <a:solidFill>
-                  <a:schemeClr val="tx1"/>
-                </a:solidFill>
-                <a:effectLst/>
-                <a:latin typeface="+mn-lt"/>
-                <a:ea typeface="+mn-ea"/>
-                <a:cs typeface="+mn-cs"/>
-              </a:rPr>
-              <a:t>는 </a:t>
-            </a:r>
-            <a:r>
-              <a:rPr lang="en-US" altLang="ko-KR" sz="1200" b="0" i="0" kern="1200" dirty="0">
-                <a:solidFill>
-                  <a:schemeClr val="tx1"/>
-                </a:solidFill>
-                <a:effectLst/>
-                <a:latin typeface="+mn-lt"/>
-                <a:ea typeface="+mn-ea"/>
-                <a:cs typeface="+mn-cs"/>
-              </a:rPr>
-              <a:t>Theano </a:t>
-            </a:r>
-            <a:r>
-              <a:rPr lang="ko-KR" altLang="en-US" sz="1200" b="0" i="0" kern="1200" dirty="0">
-                <a:solidFill>
-                  <a:schemeClr val="tx1"/>
-                </a:solidFill>
-                <a:effectLst/>
-                <a:latin typeface="+mn-lt"/>
-                <a:ea typeface="+mn-ea"/>
-                <a:cs typeface="+mn-cs"/>
-              </a:rPr>
-              <a:t>위에 </a:t>
-            </a:r>
-            <a:r>
-              <a:rPr lang="en-US" altLang="ko-KR" sz="1200" b="0" i="0" kern="1200" dirty="0" err="1">
-                <a:solidFill>
-                  <a:schemeClr val="tx1"/>
-                </a:solidFill>
-                <a:effectLst/>
-                <a:latin typeface="+mn-lt"/>
-                <a:ea typeface="+mn-ea"/>
-                <a:cs typeface="+mn-cs"/>
-              </a:rPr>
-              <a:t>Scikit</a:t>
-            </a:r>
-            <a:r>
-              <a:rPr lang="en-US" altLang="ko-KR" sz="1200" b="0" i="0" kern="1200" dirty="0">
-                <a:solidFill>
-                  <a:schemeClr val="tx1"/>
-                </a:solidFill>
-                <a:effectLst/>
-                <a:latin typeface="+mn-lt"/>
-                <a:ea typeface="+mn-ea"/>
-                <a:cs typeface="+mn-cs"/>
-              </a:rPr>
-              <a:t> – learn</a:t>
-            </a:r>
-            <a:r>
-              <a:rPr lang="ko-KR" altLang="en-US" sz="1200" b="0" i="0" kern="1200" dirty="0">
-                <a:solidFill>
-                  <a:schemeClr val="tx1"/>
-                </a:solidFill>
-                <a:effectLst/>
-                <a:latin typeface="+mn-lt"/>
-                <a:ea typeface="+mn-ea"/>
-                <a:cs typeface="+mn-cs"/>
-              </a:rPr>
-              <a:t>과 </a:t>
-            </a:r>
-            <a:r>
-              <a:rPr lang="en-US" altLang="ko-KR" sz="1200" b="0" i="0" kern="1200" dirty="0">
-                <a:solidFill>
-                  <a:schemeClr val="tx1"/>
-                </a:solidFill>
-                <a:effectLst/>
-                <a:latin typeface="+mn-lt"/>
-                <a:ea typeface="+mn-ea"/>
-                <a:cs typeface="+mn-cs"/>
-              </a:rPr>
-              <a:t>torch API</a:t>
-            </a:r>
-            <a:r>
-              <a:rPr lang="ko-KR" altLang="en-US" sz="1200" b="0" i="0" kern="1200" dirty="0">
-                <a:solidFill>
-                  <a:schemeClr val="tx1"/>
-                </a:solidFill>
-                <a:effectLst/>
-                <a:latin typeface="+mn-lt"/>
-                <a:ea typeface="+mn-ea"/>
-                <a:cs typeface="+mn-cs"/>
-              </a:rPr>
-              <a:t>의 일부 아이디어를 참고하여 만들었으며 </a:t>
-            </a:r>
-            <a:r>
-              <a:rPr lang="en-US" altLang="ko-KR" sz="1200" b="0" i="0" kern="1200" dirty="0">
-                <a:solidFill>
-                  <a:schemeClr val="tx1"/>
-                </a:solidFill>
-                <a:effectLst/>
-                <a:latin typeface="+mn-lt"/>
-                <a:ea typeface="+mn-ea"/>
-                <a:cs typeface="+mn-cs"/>
-              </a:rPr>
-              <a:t>CNN, RNN</a:t>
-            </a:r>
-            <a:r>
-              <a:rPr lang="ko-KR" altLang="en-US" sz="1200" b="0" i="0" kern="1200" dirty="0">
-                <a:solidFill>
-                  <a:schemeClr val="tx1"/>
-                </a:solidFill>
-                <a:effectLst/>
-                <a:latin typeface="+mn-lt"/>
-                <a:ea typeface="+mn-ea"/>
-                <a:cs typeface="+mn-cs"/>
-              </a:rPr>
-              <a:t>을 동시에 지원하는 당시 최초의 </a:t>
-            </a:r>
-            <a:r>
-              <a:rPr lang="en-US" altLang="ko-KR" sz="1200" b="0" i="0" kern="1200" dirty="0">
-                <a:solidFill>
-                  <a:schemeClr val="tx1"/>
-                </a:solidFill>
-                <a:effectLst/>
-                <a:latin typeface="+mn-lt"/>
-                <a:ea typeface="+mn-ea"/>
-                <a:cs typeface="+mn-cs"/>
-              </a:rPr>
-              <a:t>Python </a:t>
-            </a:r>
-            <a:r>
-              <a:rPr lang="ko-KR" altLang="en-US" sz="1200" b="0" i="0" kern="1200" dirty="0">
-                <a:solidFill>
-                  <a:schemeClr val="tx1"/>
-                </a:solidFill>
-                <a:effectLst/>
-                <a:latin typeface="+mn-lt"/>
-                <a:ea typeface="+mn-ea"/>
-                <a:cs typeface="+mn-cs"/>
-              </a:rPr>
-              <a:t>딥러닝 라이브러리</a:t>
-            </a:r>
-            <a:endParaRPr lang="en-US" altLang="ko-KR" sz="1200" b="0" i="0" kern="1200" dirty="0">
-              <a:solidFill>
-                <a:schemeClr val="tx1"/>
-              </a:solidFill>
-              <a:effectLst/>
-              <a:latin typeface="+mn-lt"/>
-              <a:ea typeface="+mn-ea"/>
-              <a:cs typeface="+mn-cs"/>
-            </a:endParaRPr>
           </a:p>
         </p:txBody>
       </p:sp>
@@ -884,7 +1345,7 @@
     </p:spTree>
     <p:extLst>
       <p:ext uri="{BB962C8B-B14F-4D97-AF65-F5344CB8AC3E}">
-        <p14:creationId xmlns:p14="http://schemas.microsoft.com/office/powerpoint/2010/main" val="621488013"/>
+        <p14:creationId xmlns:p14="http://schemas.microsoft.com/office/powerpoint/2010/main" val="1719517988"/>
       </p:ext>
     </p:extLst>
   </p:cSld>
@@ -938,378 +1399,15 @@
           <a:bodyPr/>
           <a:lstStyle/>
           <a:p>
-            <a:r>
-              <a:rPr lang="ko-KR" altLang="en-US" sz="1200" b="0" i="0" kern="1200" dirty="0" err="1">
-                <a:solidFill>
-                  <a:schemeClr val="tx1"/>
-                </a:solidFill>
-                <a:effectLst/>
-                <a:latin typeface="+mn-lt"/>
-                <a:ea typeface="+mn-ea"/>
-                <a:cs typeface="+mn-cs"/>
-              </a:rPr>
-              <a:t>케라스는</a:t>
-            </a:r>
-            <a:r>
-              <a:rPr lang="ko-KR" altLang="en-US" sz="1200" b="0" i="0" kern="1200" dirty="0">
-                <a:solidFill>
-                  <a:schemeClr val="tx1"/>
-                </a:solidFill>
-                <a:effectLst/>
-                <a:latin typeface="+mn-lt"/>
-                <a:ea typeface="+mn-ea"/>
-                <a:cs typeface="+mn-cs"/>
-              </a:rPr>
-              <a:t> </a:t>
-            </a:r>
-            <a:r>
-              <a:rPr lang="ko-KR" altLang="en-US" sz="1200" b="0" i="0" kern="1200" dirty="0" err="1">
-                <a:solidFill>
-                  <a:schemeClr val="tx1"/>
-                </a:solidFill>
-                <a:effectLst/>
-                <a:latin typeface="+mn-lt"/>
-                <a:ea typeface="+mn-ea"/>
-                <a:cs typeface="+mn-cs"/>
-              </a:rPr>
-              <a:t>파이썬으로</a:t>
-            </a:r>
-            <a:r>
-              <a:rPr lang="ko-KR" altLang="en-US" sz="1200" b="0" i="0" kern="1200" dirty="0">
-                <a:solidFill>
-                  <a:schemeClr val="tx1"/>
-                </a:solidFill>
-                <a:effectLst/>
-                <a:latin typeface="+mn-lt"/>
-                <a:ea typeface="+mn-ea"/>
-                <a:cs typeface="+mn-cs"/>
-              </a:rPr>
-              <a:t> 구현된 쉽고 간결한 딥러닝 라이브러리입니다</a:t>
-            </a:r>
-            <a:r>
-              <a:rPr lang="en-US" altLang="ko-KR" sz="1200" b="0" i="0" kern="1200" dirty="0">
-                <a:solidFill>
-                  <a:schemeClr val="tx1"/>
-                </a:solidFill>
-                <a:effectLst/>
-                <a:latin typeface="+mn-lt"/>
-                <a:ea typeface="+mn-ea"/>
-                <a:cs typeface="+mn-cs"/>
-              </a:rPr>
-              <a:t>. </a:t>
-            </a:r>
-            <a:r>
-              <a:rPr lang="ko-KR" altLang="en-US" sz="1200" b="0" i="0" kern="1200" dirty="0">
-                <a:solidFill>
-                  <a:schemeClr val="tx1"/>
-                </a:solidFill>
-                <a:effectLst/>
-                <a:latin typeface="+mn-lt"/>
-                <a:ea typeface="+mn-ea"/>
-                <a:cs typeface="+mn-cs"/>
-              </a:rPr>
-              <a:t>딥러닝 비전문가라도 각자 분야에서 손쉽게 딥러닝 모델을 개발하고 활용할 수 있도록 </a:t>
-            </a:r>
-            <a:r>
-              <a:rPr lang="ko-KR" altLang="en-US" sz="1200" b="0" i="0" kern="1200" dirty="0" err="1">
-                <a:solidFill>
-                  <a:schemeClr val="tx1"/>
-                </a:solidFill>
-                <a:effectLst/>
-                <a:latin typeface="+mn-lt"/>
-                <a:ea typeface="+mn-ea"/>
-                <a:cs typeface="+mn-cs"/>
-              </a:rPr>
-              <a:t>케라스는</a:t>
-            </a:r>
-            <a:r>
-              <a:rPr lang="ko-KR" altLang="en-US" sz="1200" b="0" i="0" kern="1200" dirty="0">
-                <a:solidFill>
-                  <a:schemeClr val="tx1"/>
-                </a:solidFill>
-                <a:effectLst/>
-                <a:latin typeface="+mn-lt"/>
-                <a:ea typeface="+mn-ea"/>
-                <a:cs typeface="+mn-cs"/>
-              </a:rPr>
-              <a:t> 직관적인 </a:t>
-            </a:r>
-            <a:r>
-              <a:rPr lang="en-US" altLang="ko-KR" sz="1200" b="0" i="0" kern="1200" dirty="0">
-                <a:solidFill>
-                  <a:schemeClr val="tx1"/>
-                </a:solidFill>
-                <a:effectLst/>
-                <a:latin typeface="+mn-lt"/>
-                <a:ea typeface="+mn-ea"/>
-                <a:cs typeface="+mn-cs"/>
-              </a:rPr>
-              <a:t>API</a:t>
-            </a:r>
-            <a:r>
-              <a:rPr lang="ko-KR" altLang="en-US" sz="1200" b="0" i="0" kern="1200" dirty="0">
-                <a:solidFill>
-                  <a:schemeClr val="tx1"/>
-                </a:solidFill>
-                <a:effectLst/>
-                <a:latin typeface="+mn-lt"/>
-                <a:ea typeface="+mn-ea"/>
-                <a:cs typeface="+mn-cs"/>
-              </a:rPr>
-              <a:t>를 제공하고 있습니다</a:t>
-            </a:r>
-            <a:r>
-              <a:rPr lang="en-US" altLang="ko-KR" sz="1200" b="0" i="0" kern="1200" dirty="0">
-                <a:solidFill>
-                  <a:schemeClr val="tx1"/>
-                </a:solidFill>
-                <a:effectLst/>
-                <a:latin typeface="+mn-lt"/>
-                <a:ea typeface="+mn-ea"/>
-                <a:cs typeface="+mn-cs"/>
-              </a:rPr>
-              <a:t>. </a:t>
-            </a:r>
-            <a:r>
-              <a:rPr lang="ko-KR" altLang="en-US" sz="1200" b="0" i="0" kern="1200" dirty="0">
-                <a:solidFill>
-                  <a:schemeClr val="tx1"/>
-                </a:solidFill>
-                <a:effectLst/>
-                <a:latin typeface="+mn-lt"/>
-                <a:ea typeface="+mn-ea"/>
-                <a:cs typeface="+mn-cs"/>
-              </a:rPr>
-              <a:t>내부적으로는 </a:t>
-            </a:r>
-            <a:r>
-              <a:rPr lang="ko-KR" altLang="en-US" sz="1200" b="0" i="0" kern="1200" dirty="0" err="1">
-                <a:solidFill>
-                  <a:schemeClr val="tx1"/>
-                </a:solidFill>
-                <a:effectLst/>
-                <a:latin typeface="+mn-lt"/>
-                <a:ea typeface="+mn-ea"/>
-                <a:cs typeface="+mn-cs"/>
-              </a:rPr>
-              <a:t>텐서플로우</a:t>
-            </a:r>
-            <a:r>
-              <a:rPr lang="en-US" altLang="ko-KR" sz="1200" b="0" i="0" kern="1200" dirty="0">
-                <a:solidFill>
-                  <a:schemeClr val="tx1"/>
-                </a:solidFill>
-                <a:effectLst/>
-                <a:latin typeface="+mn-lt"/>
-                <a:ea typeface="+mn-ea"/>
-                <a:cs typeface="+mn-cs"/>
-              </a:rPr>
-              <a:t>(TensorFlow), </a:t>
-            </a:r>
-            <a:r>
-              <a:rPr lang="ko-KR" altLang="en-US" sz="1200" b="0" i="0" kern="1200" dirty="0" err="1">
-                <a:solidFill>
-                  <a:schemeClr val="tx1"/>
-                </a:solidFill>
-                <a:effectLst/>
-                <a:latin typeface="+mn-lt"/>
-                <a:ea typeface="+mn-ea"/>
-                <a:cs typeface="+mn-cs"/>
-              </a:rPr>
-              <a:t>티아노</a:t>
-            </a:r>
-            <a:r>
-              <a:rPr lang="en-US" altLang="ko-KR" sz="1200" b="0" i="0" kern="1200" dirty="0">
-                <a:solidFill>
-                  <a:schemeClr val="tx1"/>
-                </a:solidFill>
-                <a:effectLst/>
-                <a:latin typeface="+mn-lt"/>
-                <a:ea typeface="+mn-ea"/>
-                <a:cs typeface="+mn-cs"/>
-              </a:rPr>
-              <a:t>(Theano), CNTK </a:t>
-            </a:r>
-            <a:r>
-              <a:rPr lang="ko-KR" altLang="en-US" sz="1200" b="0" i="0" kern="1200" dirty="0">
-                <a:solidFill>
-                  <a:schemeClr val="tx1"/>
-                </a:solidFill>
-                <a:effectLst/>
-                <a:latin typeface="+mn-lt"/>
-                <a:ea typeface="+mn-ea"/>
-                <a:cs typeface="+mn-cs"/>
-              </a:rPr>
-              <a:t>등의 딥러닝 전용 엔진이 구동되지만 </a:t>
-            </a:r>
-            <a:r>
-              <a:rPr lang="ko-KR" altLang="en-US" sz="1200" b="0" i="0" kern="1200" dirty="0" err="1">
-                <a:solidFill>
-                  <a:schemeClr val="tx1"/>
-                </a:solidFill>
-                <a:effectLst/>
-                <a:latin typeface="+mn-lt"/>
-                <a:ea typeface="+mn-ea"/>
-                <a:cs typeface="+mn-cs"/>
-              </a:rPr>
-              <a:t>케라스</a:t>
-            </a:r>
-            <a:r>
-              <a:rPr lang="ko-KR" altLang="en-US" sz="1200" b="0" i="0" kern="1200" dirty="0">
-                <a:solidFill>
-                  <a:schemeClr val="tx1"/>
-                </a:solidFill>
-                <a:effectLst/>
-                <a:latin typeface="+mn-lt"/>
-                <a:ea typeface="+mn-ea"/>
-                <a:cs typeface="+mn-cs"/>
-              </a:rPr>
-              <a:t> 사용자는 복잡한 내부 엔진을 알 필요는 없습니다</a:t>
-            </a:r>
-            <a:r>
-              <a:rPr lang="en-US" altLang="ko-KR" sz="1200" b="0" i="0" kern="1200" dirty="0">
-                <a:solidFill>
-                  <a:schemeClr val="tx1"/>
-                </a:solidFill>
-                <a:effectLst/>
-                <a:latin typeface="+mn-lt"/>
-                <a:ea typeface="+mn-ea"/>
-                <a:cs typeface="+mn-cs"/>
-              </a:rPr>
-              <a:t>. </a:t>
-            </a:r>
-            <a:r>
-              <a:rPr lang="ko-KR" altLang="en-US" sz="1200" b="0" i="0" kern="1200" dirty="0">
-                <a:solidFill>
-                  <a:schemeClr val="tx1"/>
-                </a:solidFill>
-                <a:effectLst/>
-                <a:latin typeface="+mn-lt"/>
-                <a:ea typeface="+mn-ea"/>
-                <a:cs typeface="+mn-cs"/>
-              </a:rPr>
-              <a:t>직관적인 </a:t>
-            </a:r>
-            <a:r>
-              <a:rPr lang="en-US" altLang="ko-KR" sz="1200" b="0" i="0" kern="1200" dirty="0">
-                <a:solidFill>
-                  <a:schemeClr val="tx1"/>
-                </a:solidFill>
-                <a:effectLst/>
-                <a:latin typeface="+mn-lt"/>
-                <a:ea typeface="+mn-ea"/>
-                <a:cs typeface="+mn-cs"/>
-              </a:rPr>
-              <a:t>API</a:t>
-            </a:r>
-            <a:r>
-              <a:rPr lang="ko-KR" altLang="en-US" sz="1200" b="0" i="0" kern="1200" dirty="0">
-                <a:solidFill>
-                  <a:schemeClr val="tx1"/>
-                </a:solidFill>
-                <a:effectLst/>
-                <a:latin typeface="+mn-lt"/>
-                <a:ea typeface="+mn-ea"/>
-                <a:cs typeface="+mn-cs"/>
-              </a:rPr>
-              <a:t>로 쉽게 </a:t>
-            </a:r>
-            <a:r>
-              <a:rPr lang="ko-KR" altLang="en-US" sz="1200" b="0" i="0" kern="1200" dirty="0" err="1">
-                <a:solidFill>
-                  <a:schemeClr val="tx1"/>
-                </a:solidFill>
-                <a:effectLst/>
-                <a:latin typeface="+mn-lt"/>
-                <a:ea typeface="+mn-ea"/>
-                <a:cs typeface="+mn-cs"/>
-              </a:rPr>
-              <a:t>다층퍼셉트론</a:t>
-            </a:r>
-            <a:r>
-              <a:rPr lang="ko-KR" altLang="en-US" sz="1200" b="0" i="0" kern="1200" dirty="0">
-                <a:solidFill>
-                  <a:schemeClr val="tx1"/>
-                </a:solidFill>
-                <a:effectLst/>
-                <a:latin typeface="+mn-lt"/>
-                <a:ea typeface="+mn-ea"/>
-                <a:cs typeface="+mn-cs"/>
-              </a:rPr>
-              <a:t> 모델</a:t>
-            </a:r>
-            <a:r>
-              <a:rPr lang="en-US" altLang="ko-KR" sz="1200" b="0" i="0" kern="1200" dirty="0">
-                <a:solidFill>
-                  <a:schemeClr val="tx1"/>
-                </a:solidFill>
-                <a:effectLst/>
-                <a:latin typeface="+mn-lt"/>
-                <a:ea typeface="+mn-ea"/>
-                <a:cs typeface="+mn-cs"/>
-              </a:rPr>
-              <a:t>, </a:t>
-            </a:r>
-            <a:r>
-              <a:rPr lang="ko-KR" altLang="en-US" sz="1200" b="0" i="0" kern="1200" dirty="0" err="1">
-                <a:solidFill>
-                  <a:schemeClr val="tx1"/>
-                </a:solidFill>
-                <a:effectLst/>
-                <a:latin typeface="+mn-lt"/>
-                <a:ea typeface="+mn-ea"/>
-                <a:cs typeface="+mn-cs"/>
-              </a:rPr>
-              <a:t>컨볼루션</a:t>
-            </a:r>
-            <a:r>
-              <a:rPr lang="ko-KR" altLang="en-US" sz="1200" b="0" i="0" kern="1200" dirty="0">
-                <a:solidFill>
-                  <a:schemeClr val="tx1"/>
-                </a:solidFill>
-                <a:effectLst/>
-                <a:latin typeface="+mn-lt"/>
-                <a:ea typeface="+mn-ea"/>
-                <a:cs typeface="+mn-cs"/>
-              </a:rPr>
-              <a:t> 신경망 모델</a:t>
-            </a:r>
-            <a:r>
-              <a:rPr lang="en-US" altLang="ko-KR" sz="1200" b="0" i="0" kern="1200" dirty="0">
-                <a:solidFill>
-                  <a:schemeClr val="tx1"/>
-                </a:solidFill>
-                <a:effectLst/>
-                <a:latin typeface="+mn-lt"/>
-                <a:ea typeface="+mn-ea"/>
-                <a:cs typeface="+mn-cs"/>
-              </a:rPr>
-              <a:t>, </a:t>
-            </a:r>
-            <a:r>
-              <a:rPr lang="ko-KR" altLang="en-US" sz="1200" b="0" i="0" kern="1200" dirty="0">
-                <a:solidFill>
-                  <a:schemeClr val="tx1"/>
-                </a:solidFill>
-                <a:effectLst/>
-                <a:latin typeface="+mn-lt"/>
-                <a:ea typeface="+mn-ea"/>
-                <a:cs typeface="+mn-cs"/>
-              </a:rPr>
-              <a:t>순환 신경망 모델 또는 이를 조합한 모델은 물론 다중 입력 또는 다중 출력 등 다양한 구성을 할 수 있습니다</a:t>
-            </a:r>
-            <a:r>
-              <a:rPr lang="en-US" altLang="ko-KR" sz="1200" b="0" i="0" kern="1200" dirty="0">
-                <a:solidFill>
-                  <a:schemeClr val="tx1"/>
-                </a:solidFill>
-                <a:effectLst/>
-                <a:latin typeface="+mn-lt"/>
-                <a:ea typeface="+mn-ea"/>
-                <a:cs typeface="+mn-cs"/>
-              </a:rPr>
-              <a:t>.</a:t>
-            </a:r>
+            <a:endParaRPr lang="en-US" altLang="ko-KR" sz="1200" b="0" i="0" kern="1200" dirty="0">
+              <a:solidFill>
+                <a:schemeClr val="tx1"/>
+              </a:solidFill>
+              <a:effectLst/>
+              <a:latin typeface="+mn-lt"/>
+              <a:ea typeface="+mn-ea"/>
+              <a:cs typeface="+mn-cs"/>
+            </a:endParaRPr>
           </a:p>
         </p:txBody>
       </p:sp>
@@ -1330,7 +1428,7 @@
           <a:p>
             <a:fld id="{9D18DA39-55D1-4925-9EF2-886546AADBB5}" type="slidenum">
               <a:rPr lang="ko-KR" altLang="en-US" smtClean="0"/>
-              <a:t>3</a:t>
+              <a:t>4</a:t>
             </a:fld>
             <a:endParaRPr lang="ko-KR" altLang="en-US"/>
           </a:p>
@@ -1339,7 +1437,7 @@
     </p:spTree>
     <p:extLst>
       <p:ext uri="{BB962C8B-B14F-4D97-AF65-F5344CB8AC3E}">
-        <p14:creationId xmlns:p14="http://schemas.microsoft.com/office/powerpoint/2010/main" val="1719517988"/>
+        <p14:creationId xmlns:p14="http://schemas.microsoft.com/office/powerpoint/2010/main" val="3246796848"/>
       </p:ext>
     </p:extLst>
   </p:cSld>
@@ -1580,7 +1678,7 @@
           <a:p>
             <a:fld id="{9D18DA39-55D1-4925-9EF2-886546AADBB5}" type="slidenum">
               <a:rPr lang="ko-KR" altLang="en-US" smtClean="0"/>
-              <a:t>4</a:t>
+              <a:t>5</a:t>
             </a:fld>
             <a:endParaRPr lang="ko-KR" altLang="en-US"/>
           </a:p>
@@ -1653,7 +1751,7 @@
                 <a:ea typeface="+mn-ea"/>
                 <a:cs typeface="+mn-cs"/>
               </a:rPr>
-              <a:t>기초적인 공사부터 </a:t>
+              <a:t>다음장과 </a:t>
             </a:r>
             <a:r>
               <a:rPr lang="ko-KR" altLang="en-US" sz="1200" b="0" i="0" kern="1200" dirty="0" err="1">
@@ -1665,7 +1763,7 @@
                 <a:ea typeface="+mn-ea"/>
                 <a:cs typeface="+mn-cs"/>
               </a:rPr>
-              <a:t>해야하는</a:t>
+              <a:t>왔다갔다</a:t>
             </a:r>
             <a:r>
               <a:rPr lang="ko-KR" altLang="en-US" sz="1200" b="0" i="0" kern="1200" dirty="0">
@@ -1677,262 +1775,17 @@
                 <a:ea typeface="+mn-ea"/>
                 <a:cs typeface="+mn-cs"/>
               </a:rPr>
-              <a:t> </a:t>
-            </a:r>
-            <a:r>
-              <a:rPr lang="ko-KR" altLang="en-US" sz="1200" b="0" i="0" kern="1200" dirty="0" err="1">
-                <a:solidFill>
-                  <a:schemeClr val="tx1"/>
-                </a:solidFill>
-                <a:effectLst/>
-                <a:latin typeface="+mn-lt"/>
-                <a:ea typeface="+mn-ea"/>
-                <a:cs typeface="+mn-cs"/>
-              </a:rPr>
-              <a:t>파이토치와는</a:t>
-            </a:r>
-            <a:r>
-              <a:rPr lang="ko-KR" altLang="en-US" sz="1200" b="0" i="0" kern="1200" dirty="0">
-                <a:solidFill>
-                  <a:schemeClr val="tx1"/>
-                </a:solidFill>
-                <a:effectLst/>
-                <a:latin typeface="+mn-lt"/>
-                <a:ea typeface="+mn-ea"/>
-                <a:cs typeface="+mn-cs"/>
-              </a:rPr>
-              <a:t> 달리 </a:t>
-            </a:r>
-            <a:r>
-              <a:rPr lang="ko-KR" altLang="en-US" sz="1200" b="0" i="0" kern="1200" dirty="0" err="1">
-                <a:solidFill>
-                  <a:schemeClr val="tx1"/>
-                </a:solidFill>
-                <a:effectLst/>
-                <a:latin typeface="+mn-lt"/>
-                <a:ea typeface="+mn-ea"/>
-                <a:cs typeface="+mn-cs"/>
-              </a:rPr>
-              <a:t>케라스는</a:t>
-            </a:r>
-            <a:r>
-              <a:rPr lang="ko-KR" altLang="en-US" sz="1200" b="0" i="0" kern="1200" dirty="0">
-                <a:solidFill>
-                  <a:schemeClr val="tx1"/>
-                </a:solidFill>
-                <a:effectLst/>
-                <a:latin typeface="+mn-lt"/>
-                <a:ea typeface="+mn-ea"/>
-                <a:cs typeface="+mn-cs"/>
-              </a:rPr>
-              <a:t> 비교적으로 간단하게 코드를 구성할 수 있다</a:t>
-            </a:r>
-            <a:r>
-              <a:rPr lang="en-US" altLang="ko-KR" sz="1200" b="0" i="0" kern="1200" dirty="0">
-                <a:solidFill>
-                  <a:schemeClr val="tx1"/>
-                </a:solidFill>
-                <a:effectLst/>
-                <a:latin typeface="+mn-lt"/>
-                <a:ea typeface="+mn-ea"/>
-                <a:cs typeface="+mn-cs"/>
-              </a:rPr>
-              <a:t>. </a:t>
-            </a:r>
-            <a:r>
-              <a:rPr lang="ko-KR" altLang="en-US" sz="1200" b="0" i="0" kern="1200" dirty="0">
-                <a:solidFill>
-                  <a:schemeClr val="tx1"/>
-                </a:solidFill>
-                <a:effectLst/>
-                <a:latin typeface="+mn-lt"/>
-                <a:ea typeface="+mn-ea"/>
-                <a:cs typeface="+mn-cs"/>
-              </a:rPr>
-              <a:t>해당 경우 성능의 차이는 보이지 않는다</a:t>
-            </a:r>
-            <a:r>
-              <a:rPr lang="en-US" altLang="ko-KR" sz="1200" b="0" i="0" kern="1200" dirty="0">
-                <a:solidFill>
-                  <a:schemeClr val="tx1"/>
-                </a:solidFill>
-                <a:effectLst/>
-                <a:latin typeface="+mn-lt"/>
-                <a:ea typeface="+mn-ea"/>
-                <a:cs typeface="+mn-cs"/>
-              </a:rPr>
-              <a:t>. </a:t>
-            </a:r>
-          </a:p>
-          <a:p>
-            <a:r>
-              <a:rPr lang="ko-KR" altLang="en-US" sz="1200" b="0" i="0" kern="1200" dirty="0">
-                <a:solidFill>
-                  <a:schemeClr val="tx1"/>
-                </a:solidFill>
-                <a:effectLst/>
-                <a:latin typeface="+mn-lt"/>
-                <a:ea typeface="+mn-ea"/>
-                <a:cs typeface="+mn-cs"/>
-              </a:rPr>
-              <a:t>단적인 예로 진행상황을 보고자 할 때 </a:t>
-            </a:r>
-            <a:r>
-              <a:rPr lang="ko-KR" altLang="en-US" sz="1200" b="0" i="0" kern="1200" dirty="0" err="1">
-                <a:solidFill>
-                  <a:schemeClr val="tx1"/>
-                </a:solidFill>
-                <a:effectLst/>
-                <a:latin typeface="+mn-lt"/>
-                <a:ea typeface="+mn-ea"/>
-                <a:cs typeface="+mn-cs"/>
-              </a:rPr>
-              <a:t>파이토치의</a:t>
-            </a:r>
-            <a:r>
-              <a:rPr lang="ko-KR" altLang="en-US" sz="1200" b="0" i="0" kern="1200" dirty="0">
-                <a:solidFill>
-                  <a:schemeClr val="tx1"/>
-                </a:solidFill>
-                <a:effectLst/>
-                <a:latin typeface="+mn-lt"/>
-                <a:ea typeface="+mn-ea"/>
-                <a:cs typeface="+mn-cs"/>
-              </a:rPr>
-              <a:t> 경우 직접 코드를 </a:t>
-            </a:r>
-            <a:r>
-              <a:rPr lang="ko-KR" altLang="en-US" sz="1200" b="0" i="0" kern="1200" dirty="0" err="1">
-                <a:solidFill>
-                  <a:schemeClr val="tx1"/>
-                </a:solidFill>
-                <a:effectLst/>
-                <a:latin typeface="+mn-lt"/>
-                <a:ea typeface="+mn-ea"/>
-                <a:cs typeface="+mn-cs"/>
-              </a:rPr>
-              <a:t>짜야하지만</a:t>
-            </a:r>
-            <a:r>
-              <a:rPr lang="en-US" altLang="ko-KR" sz="1200" b="0" i="0" kern="1200" dirty="0">
-                <a:solidFill>
-                  <a:schemeClr val="tx1"/>
-                </a:solidFill>
-                <a:effectLst/>
-                <a:latin typeface="+mn-lt"/>
-                <a:ea typeface="+mn-ea"/>
-                <a:cs typeface="+mn-cs"/>
-              </a:rPr>
-              <a:t>, </a:t>
-            </a:r>
-            <a:r>
-              <a:rPr lang="ko-KR" altLang="en-US" sz="1200" b="0" i="0" kern="1200" dirty="0" err="1">
-                <a:solidFill>
-                  <a:schemeClr val="tx1"/>
-                </a:solidFill>
-                <a:effectLst/>
-                <a:latin typeface="+mn-lt"/>
-                <a:ea typeface="+mn-ea"/>
-                <a:cs typeface="+mn-cs"/>
-              </a:rPr>
-              <a:t>케라스에서는</a:t>
-            </a:r>
-            <a:r>
-              <a:rPr lang="ko-KR" altLang="en-US" sz="1200" b="0" i="0" kern="1200" dirty="0">
-                <a:solidFill>
-                  <a:schemeClr val="tx1"/>
-                </a:solidFill>
-                <a:effectLst/>
-                <a:latin typeface="+mn-lt"/>
-                <a:ea typeface="+mn-ea"/>
-                <a:cs typeface="+mn-cs"/>
-              </a:rPr>
-              <a:t> </a:t>
-            </a:r>
-            <a:r>
-              <a:rPr lang="en-US" altLang="ko-KR" sz="1200" b="0" i="0" kern="1200" dirty="0">
-                <a:solidFill>
-                  <a:schemeClr val="tx1"/>
-                </a:solidFill>
-                <a:effectLst/>
-                <a:latin typeface="+mn-lt"/>
-                <a:ea typeface="+mn-ea"/>
-                <a:cs typeface="+mn-cs"/>
-              </a:rPr>
-              <a:t>verbose</a:t>
-            </a:r>
-            <a:r>
-              <a:rPr lang="ko-KR" altLang="en-US" sz="1200" b="0" i="0" kern="1200" dirty="0">
-                <a:solidFill>
-                  <a:schemeClr val="tx1"/>
-                </a:solidFill>
-                <a:effectLst/>
-                <a:latin typeface="+mn-lt"/>
-                <a:ea typeface="+mn-ea"/>
-                <a:cs typeface="+mn-cs"/>
-              </a:rPr>
-              <a:t>를 </a:t>
-            </a:r>
-            <a:r>
-              <a:rPr lang="en-US" altLang="ko-KR" sz="1200" b="0" i="0" kern="1200" dirty="0">
-                <a:solidFill>
-                  <a:schemeClr val="tx1"/>
-                </a:solidFill>
-                <a:effectLst/>
-                <a:latin typeface="+mn-lt"/>
-                <a:ea typeface="+mn-ea"/>
-                <a:cs typeface="+mn-cs"/>
-              </a:rPr>
-              <a:t>1</a:t>
-            </a:r>
-            <a:r>
-              <a:rPr lang="ko-KR" altLang="en-US" sz="1200" b="0" i="0" kern="1200" dirty="0">
-                <a:solidFill>
-                  <a:schemeClr val="tx1"/>
-                </a:solidFill>
-                <a:effectLst/>
-                <a:latin typeface="+mn-lt"/>
-                <a:ea typeface="+mn-ea"/>
-                <a:cs typeface="+mn-cs"/>
-              </a:rPr>
-              <a:t>로 설정함으로써 진행상황 </a:t>
-            </a:r>
-            <a:r>
-              <a:rPr lang="en-US" altLang="ko-KR" sz="1200" b="0" i="0" kern="1200" dirty="0">
-                <a:solidFill>
-                  <a:schemeClr val="tx1"/>
-                </a:solidFill>
-                <a:effectLst/>
-                <a:latin typeface="+mn-lt"/>
-                <a:ea typeface="+mn-ea"/>
-                <a:cs typeface="+mn-cs"/>
-              </a:rPr>
-              <a:t>tracking</a:t>
-            </a:r>
-            <a:r>
-              <a:rPr lang="ko-KR" altLang="en-US" sz="1200" b="0" i="0" kern="1200" dirty="0">
-                <a:solidFill>
-                  <a:schemeClr val="tx1"/>
-                </a:solidFill>
-                <a:effectLst/>
-                <a:latin typeface="+mn-lt"/>
-                <a:ea typeface="+mn-ea"/>
-                <a:cs typeface="+mn-cs"/>
-              </a:rPr>
-              <a:t>을 할 수 있다</a:t>
-            </a:r>
-            <a:r>
-              <a:rPr lang="en-US" altLang="ko-KR" sz="1200" b="0" i="0" kern="1200" dirty="0">
-                <a:solidFill>
-                  <a:schemeClr val="tx1"/>
-                </a:solidFill>
-                <a:effectLst/>
-                <a:latin typeface="+mn-lt"/>
-                <a:ea typeface="+mn-ea"/>
-                <a:cs typeface="+mn-cs"/>
-              </a:rPr>
-              <a:t>. </a:t>
-            </a:r>
+              <a:t> 하면서 설명하기</a:t>
+            </a:r>
+            <a:endParaRPr lang="en-US" altLang="ko-KR" sz="1200" b="0" i="0" kern="1200" dirty="0">
+              <a:solidFill>
+                <a:schemeClr val="tx1"/>
+              </a:solidFill>
+              <a:effectLst/>
+              <a:latin typeface="+mn-lt"/>
+              <a:ea typeface="+mn-ea"/>
+              <a:cs typeface="+mn-cs"/>
+            </a:endParaRPr>
           </a:p>
         </p:txBody>
       </p:sp>
@@ -1953,7 +1806,7 @@
           <a:p>
             <a:fld id="{9D18DA39-55D1-4925-9EF2-886546AADBB5}" type="slidenum">
               <a:rPr lang="ko-KR" altLang="en-US" smtClean="0"/>
-              <a:t>5</a:t>
+              <a:t>6</a:t>
             </a:fld>
             <a:endParaRPr lang="ko-KR" altLang="en-US"/>
           </a:p>
@@ -1962,7 +1815,7 @@
     </p:spTree>
     <p:extLst>
       <p:ext uri="{BB962C8B-B14F-4D97-AF65-F5344CB8AC3E}">
-        <p14:creationId xmlns:p14="http://schemas.microsoft.com/office/powerpoint/2010/main" val="2923880314"/>
+        <p14:creationId xmlns:p14="http://schemas.microsoft.com/office/powerpoint/2010/main" val="3927423144"/>
       </p:ext>
     </p:extLst>
   </p:cSld>
@@ -2016,6 +1869,379 @@
           <a:bodyPr/>
           <a:lstStyle/>
           <a:p>
+            <a:r>
+              <a:rPr lang="ko-KR" altLang="en-US" sz="1200" b="0" i="0" kern="1200" dirty="0">
+                <a:solidFill>
+                  <a:schemeClr val="tx1"/>
+                </a:solidFill>
+                <a:effectLst/>
+                <a:latin typeface="+mn-lt"/>
+                <a:ea typeface="+mn-ea"/>
+                <a:cs typeface="+mn-cs"/>
+              </a:rPr>
+              <a:t>기초적인 공사부터 </a:t>
+            </a:r>
+            <a:r>
+              <a:rPr lang="ko-KR" altLang="en-US" sz="1200" b="0" i="0" kern="1200" dirty="0" err="1">
+                <a:solidFill>
+                  <a:schemeClr val="tx1"/>
+                </a:solidFill>
+                <a:effectLst/>
+                <a:latin typeface="+mn-lt"/>
+                <a:ea typeface="+mn-ea"/>
+                <a:cs typeface="+mn-cs"/>
+              </a:rPr>
+              <a:t>해야하는</a:t>
+            </a:r>
+            <a:r>
+              <a:rPr lang="ko-KR" altLang="en-US" sz="1200" b="0" i="0" kern="1200" dirty="0">
+                <a:solidFill>
+                  <a:schemeClr val="tx1"/>
+                </a:solidFill>
+                <a:effectLst/>
+                <a:latin typeface="+mn-lt"/>
+                <a:ea typeface="+mn-ea"/>
+                <a:cs typeface="+mn-cs"/>
+              </a:rPr>
+              <a:t> </a:t>
+            </a:r>
+            <a:r>
+              <a:rPr lang="ko-KR" altLang="en-US" sz="1200" b="0" i="0" kern="1200" dirty="0" err="1">
+                <a:solidFill>
+                  <a:schemeClr val="tx1"/>
+                </a:solidFill>
+                <a:effectLst/>
+                <a:latin typeface="+mn-lt"/>
+                <a:ea typeface="+mn-ea"/>
+                <a:cs typeface="+mn-cs"/>
+              </a:rPr>
+              <a:t>파이토치와는</a:t>
+            </a:r>
+            <a:r>
+              <a:rPr lang="ko-KR" altLang="en-US" sz="1200" b="0" i="0" kern="1200" dirty="0">
+                <a:solidFill>
+                  <a:schemeClr val="tx1"/>
+                </a:solidFill>
+                <a:effectLst/>
+                <a:latin typeface="+mn-lt"/>
+                <a:ea typeface="+mn-ea"/>
+                <a:cs typeface="+mn-cs"/>
+              </a:rPr>
+              <a:t> 달리 </a:t>
+            </a:r>
+            <a:r>
+              <a:rPr lang="ko-KR" altLang="en-US" sz="1200" b="0" i="0" kern="1200" dirty="0" err="1">
+                <a:solidFill>
+                  <a:schemeClr val="tx1"/>
+                </a:solidFill>
+                <a:effectLst/>
+                <a:latin typeface="+mn-lt"/>
+                <a:ea typeface="+mn-ea"/>
+                <a:cs typeface="+mn-cs"/>
+              </a:rPr>
+              <a:t>케라스는</a:t>
+            </a:r>
+            <a:r>
+              <a:rPr lang="ko-KR" altLang="en-US" sz="1200" b="0" i="0" kern="1200" dirty="0">
+                <a:solidFill>
+                  <a:schemeClr val="tx1"/>
+                </a:solidFill>
+                <a:effectLst/>
+                <a:latin typeface="+mn-lt"/>
+                <a:ea typeface="+mn-ea"/>
+                <a:cs typeface="+mn-cs"/>
+              </a:rPr>
+              <a:t> 비교적으로 간단하게 코드를 구성할 수 있다</a:t>
+            </a:r>
+            <a:r>
+              <a:rPr lang="en-US" altLang="ko-KR" sz="1200" b="0" i="0" kern="1200" dirty="0">
+                <a:solidFill>
+                  <a:schemeClr val="tx1"/>
+                </a:solidFill>
+                <a:effectLst/>
+                <a:latin typeface="+mn-lt"/>
+                <a:ea typeface="+mn-ea"/>
+                <a:cs typeface="+mn-cs"/>
+              </a:rPr>
+              <a:t>. </a:t>
+            </a:r>
+            <a:r>
+              <a:rPr lang="ko-KR" altLang="en-US" sz="1200" b="0" i="0" kern="1200" dirty="0">
+                <a:solidFill>
+                  <a:schemeClr val="tx1"/>
+                </a:solidFill>
+                <a:effectLst/>
+                <a:latin typeface="+mn-lt"/>
+                <a:ea typeface="+mn-ea"/>
+                <a:cs typeface="+mn-cs"/>
+              </a:rPr>
+              <a:t>해당 경우 성능의 차이는 보이지 않는다</a:t>
+            </a:r>
+            <a:r>
+              <a:rPr lang="en-US" altLang="ko-KR" sz="1200" b="0" i="0" kern="1200" dirty="0">
+                <a:solidFill>
+                  <a:schemeClr val="tx1"/>
+                </a:solidFill>
+                <a:effectLst/>
+                <a:latin typeface="+mn-lt"/>
+                <a:ea typeface="+mn-ea"/>
+                <a:cs typeface="+mn-cs"/>
+              </a:rPr>
+              <a:t>. </a:t>
+            </a:r>
+          </a:p>
+          <a:p>
+            <a:r>
+              <a:rPr lang="ko-KR" altLang="en-US" sz="1200" b="0" i="0" kern="1200" dirty="0">
+                <a:solidFill>
+                  <a:schemeClr val="tx1"/>
+                </a:solidFill>
+                <a:effectLst/>
+                <a:latin typeface="+mn-lt"/>
+                <a:ea typeface="+mn-ea"/>
+                <a:cs typeface="+mn-cs"/>
+              </a:rPr>
+              <a:t>단적인 예로 진행상황을 보고자 할 때 </a:t>
+            </a:r>
+            <a:r>
+              <a:rPr lang="ko-KR" altLang="en-US" sz="1200" b="0" i="0" kern="1200" dirty="0" err="1">
+                <a:solidFill>
+                  <a:schemeClr val="tx1"/>
+                </a:solidFill>
+                <a:effectLst/>
+                <a:latin typeface="+mn-lt"/>
+                <a:ea typeface="+mn-ea"/>
+                <a:cs typeface="+mn-cs"/>
+              </a:rPr>
+              <a:t>파이토치의</a:t>
+            </a:r>
+            <a:r>
+              <a:rPr lang="ko-KR" altLang="en-US" sz="1200" b="0" i="0" kern="1200" dirty="0">
+                <a:solidFill>
+                  <a:schemeClr val="tx1"/>
+                </a:solidFill>
+                <a:effectLst/>
+                <a:latin typeface="+mn-lt"/>
+                <a:ea typeface="+mn-ea"/>
+                <a:cs typeface="+mn-cs"/>
+              </a:rPr>
+              <a:t> 경우 직접 코드를 </a:t>
+            </a:r>
+            <a:r>
+              <a:rPr lang="ko-KR" altLang="en-US" sz="1200" b="0" i="0" kern="1200" dirty="0" err="1">
+                <a:solidFill>
+                  <a:schemeClr val="tx1"/>
+                </a:solidFill>
+                <a:effectLst/>
+                <a:latin typeface="+mn-lt"/>
+                <a:ea typeface="+mn-ea"/>
+                <a:cs typeface="+mn-cs"/>
+              </a:rPr>
+              <a:t>짜야하지만</a:t>
+            </a:r>
+            <a:r>
+              <a:rPr lang="en-US" altLang="ko-KR" sz="1200" b="0" i="0" kern="1200" dirty="0">
+                <a:solidFill>
+                  <a:schemeClr val="tx1"/>
+                </a:solidFill>
+                <a:effectLst/>
+                <a:latin typeface="+mn-lt"/>
+                <a:ea typeface="+mn-ea"/>
+                <a:cs typeface="+mn-cs"/>
+              </a:rPr>
+              <a:t>, </a:t>
+            </a:r>
+            <a:r>
+              <a:rPr lang="ko-KR" altLang="en-US" sz="1200" b="0" i="0" kern="1200" dirty="0" err="1">
+                <a:solidFill>
+                  <a:schemeClr val="tx1"/>
+                </a:solidFill>
+                <a:effectLst/>
+                <a:latin typeface="+mn-lt"/>
+                <a:ea typeface="+mn-ea"/>
+                <a:cs typeface="+mn-cs"/>
+              </a:rPr>
+              <a:t>케라스에서는</a:t>
+            </a:r>
+            <a:r>
+              <a:rPr lang="ko-KR" altLang="en-US" sz="1200" b="0" i="0" kern="1200" dirty="0">
+                <a:solidFill>
+                  <a:schemeClr val="tx1"/>
+                </a:solidFill>
+                <a:effectLst/>
+                <a:latin typeface="+mn-lt"/>
+                <a:ea typeface="+mn-ea"/>
+                <a:cs typeface="+mn-cs"/>
+              </a:rPr>
+              <a:t> </a:t>
+            </a:r>
+            <a:r>
+              <a:rPr lang="en-US" altLang="ko-KR" sz="1200" b="0" i="0" kern="1200" dirty="0">
+                <a:solidFill>
+                  <a:schemeClr val="tx1"/>
+                </a:solidFill>
+                <a:effectLst/>
+                <a:latin typeface="+mn-lt"/>
+                <a:ea typeface="+mn-ea"/>
+                <a:cs typeface="+mn-cs"/>
+              </a:rPr>
+              <a:t>verbose</a:t>
+            </a:r>
+            <a:r>
+              <a:rPr lang="ko-KR" altLang="en-US" sz="1200" b="0" i="0" kern="1200" dirty="0">
+                <a:solidFill>
+                  <a:schemeClr val="tx1"/>
+                </a:solidFill>
+                <a:effectLst/>
+                <a:latin typeface="+mn-lt"/>
+                <a:ea typeface="+mn-ea"/>
+                <a:cs typeface="+mn-cs"/>
+              </a:rPr>
+              <a:t>를 </a:t>
+            </a:r>
+            <a:r>
+              <a:rPr lang="en-US" altLang="ko-KR" sz="1200" b="0" i="0" kern="1200" dirty="0">
+                <a:solidFill>
+                  <a:schemeClr val="tx1"/>
+                </a:solidFill>
+                <a:effectLst/>
+                <a:latin typeface="+mn-lt"/>
+                <a:ea typeface="+mn-ea"/>
+                <a:cs typeface="+mn-cs"/>
+              </a:rPr>
+              <a:t>1</a:t>
+            </a:r>
+            <a:r>
+              <a:rPr lang="ko-KR" altLang="en-US" sz="1200" b="0" i="0" kern="1200" dirty="0">
+                <a:solidFill>
+                  <a:schemeClr val="tx1"/>
+                </a:solidFill>
+                <a:effectLst/>
+                <a:latin typeface="+mn-lt"/>
+                <a:ea typeface="+mn-ea"/>
+                <a:cs typeface="+mn-cs"/>
+              </a:rPr>
+              <a:t>로 설정함으로써 진행상황 </a:t>
+            </a:r>
+            <a:r>
+              <a:rPr lang="en-US" altLang="ko-KR" sz="1200" b="0" i="0" kern="1200" dirty="0">
+                <a:solidFill>
+                  <a:schemeClr val="tx1"/>
+                </a:solidFill>
+                <a:effectLst/>
+                <a:latin typeface="+mn-lt"/>
+                <a:ea typeface="+mn-ea"/>
+                <a:cs typeface="+mn-cs"/>
+              </a:rPr>
+              <a:t>tracking</a:t>
+            </a:r>
+            <a:r>
+              <a:rPr lang="ko-KR" altLang="en-US" sz="1200" b="0" i="0" kern="1200" dirty="0">
+                <a:solidFill>
+                  <a:schemeClr val="tx1"/>
+                </a:solidFill>
+                <a:effectLst/>
+                <a:latin typeface="+mn-lt"/>
+                <a:ea typeface="+mn-ea"/>
+                <a:cs typeface="+mn-cs"/>
+              </a:rPr>
+              <a:t>을 할 수 있다</a:t>
+            </a:r>
+            <a:r>
+              <a:rPr lang="en-US" altLang="ko-KR" sz="1200" b="0" i="0" kern="1200" dirty="0">
+                <a:solidFill>
+                  <a:schemeClr val="tx1"/>
+                </a:solidFill>
+                <a:effectLst/>
+                <a:latin typeface="+mn-lt"/>
+                <a:ea typeface="+mn-ea"/>
+                <a:cs typeface="+mn-cs"/>
+              </a:rPr>
+              <a:t>. </a:t>
+            </a:r>
+          </a:p>
+        </p:txBody>
+      </p:sp>
+      <p:sp>
+        <p:nvSpPr>
+          <p:cNvPr id="4" name="슬라이드 번호 개체 틀 3"/>
+          <p:cNvSpPr>
+            <a:spLocks noGrp="1"/>
+          </p:cNvSpPr>
+          <p:nvPr>
+            <p:ph type="sldNum" sz="quarter" idx="5"/>
+          </p:nvPr>
+        </p:nvSpPr>
+        <p:spPr/>
+        <p:txBody>
+          <a:bodyPr/>
+          <a:lstStyle/>
+          <a:p>
+            <a:fld id="{9D18DA39-55D1-4925-9EF2-886546AADBB5}" type="slidenum">
+              <a:rPr lang="ko-KR" altLang="en-US" smtClean="0"/>
+              <a:t>7</a:t>
+            </a:fld>
+            <a:endParaRPr lang="ko-KR" altLang="en-US"/>
+          </a:p>
+        </p:txBody>
+      </p:sp>
+    </p:spTree>
+    <p:extLst>
+      <p:ext uri="{BB962C8B-B14F-4D97-AF65-F5344CB8AC3E}">
+        <p14:creationId xmlns:p14="http://schemas.microsoft.com/office/powerpoint/2010/main" val="2923880314"/>
+      </p:ext>
+    </p:extLst>
+  </p:cSld>
+  <p:clrMapOvr>
+    <a:masterClrMapping/>
+  </p:clrMapOvr>
+</p:notes>
+</file>
+
+<file path=ppt/notesSlides/notesSlide6.xml><?xml version="1.0" encoding="utf-8"?>
+<p:notes xmlns:a="http://schemas.openxmlformats.org/drawingml/2006/main" xmlns:r="http://schemas.openxmlformats.org/officeDocument/2006/relationships" xmlns:p="http://schemas.openxmlformats.org/presentationml/2006/main">
+  <p:cSld>
+    <p:spTree>
+      <p:nvGrpSpPr>
+        <p:cNvPr id="1" name=""/>
+        <p:cNvGrpSpPr/>
+        <p:nvPr/>
+      </p:nvGrpSpPr>
+      <p:grpSpPr>
+        <a:xfrm>
+          <a:off x="0" y="0"/>
+          <a:ext cx="0" cy="0"/>
+          <a:chOff x="0" y="0"/>
+          <a:chExt cx="0" cy="0"/>
+        </a:xfrm>
+      </p:grpSpPr>
+      <p:sp>
+        <p:nvSpPr>
+          <p:cNvPr id="2" name="슬라이드 이미지 개체 틀 1"/>
+          <p:cNvSpPr>
+            <a:spLocks noGrp="1" noRot="1" noChangeAspect="1"/>
+          </p:cNvSpPr>
+          <p:nvPr>
+            <p:ph type="sldImg"/>
+          </p:nvPr>
+        </p:nvSpPr>
+        <p:spPr/>
+      </p:sp>
+      <p:sp>
+        <p:nvSpPr>
+          <p:cNvPr id="3" name="슬라이드 노트 개체 틀 2"/>
+          <p:cNvSpPr>
+            <a:spLocks noGrp="1"/>
+          </p:cNvSpPr>
+          <p:nvPr>
+            <p:ph type="body" idx="1"/>
+          </p:nvPr>
+        </p:nvSpPr>
+        <p:spPr/>
+        <p:txBody>
+          <a:bodyPr/>
+          <a:lstStyle/>
+          <a:p>
             <a:endParaRPr lang="en-US" altLang="ko-KR" sz="1200" b="0" i="0" kern="1200" dirty="0">
               <a:solidFill>
                 <a:schemeClr val="tx1"/>
@@ -2045,7 +2271,7 @@
           <a:p>
             <a:fld id="{9D18DA39-55D1-4925-9EF2-886546AADBB5}" type="slidenum">
               <a:rPr lang="ko-KR" altLang="en-US" smtClean="0"/>
-              <a:t>6</a:t>
+              <a:t>8</a:t>
             </a:fld>
             <a:endParaRPr lang="ko-KR" altLang="en-US"/>
           </a:p>
@@ -2055,6 +2281,98 @@
     <p:extLst>
       <p:ext uri="{BB962C8B-B14F-4D97-AF65-F5344CB8AC3E}">
         <p14:creationId xmlns:p14="http://schemas.microsoft.com/office/powerpoint/2010/main" val="3181761867"/>
+      </p:ext>
+    </p:extLst>
+  </p:cSld>
+  <p:clrMapOvr>
+    <a:masterClrMapping/>
+  </p:clrMapOvr>
+</p:notes>
+</file>
+
+<file path=ppt/notesSlides/notesSlide7.xml><?xml version="1.0" encoding="utf-8"?>
+<p:notes xmlns:a="http://schemas.openxmlformats.org/drawingml/2006/main" xmlns:r="http://schemas.openxmlformats.org/officeDocument/2006/relationships" xmlns:p="http://schemas.openxmlformats.org/presentationml/2006/main">
+  <p:cSld>
+    <p:spTree>
+      <p:nvGrpSpPr>
+        <p:cNvPr id="1" name=""/>
+        <p:cNvGrpSpPr/>
+        <p:nvPr/>
+      </p:nvGrpSpPr>
+      <p:grpSpPr>
+        <a:xfrm>
+          <a:off x="0" y="0"/>
+          <a:ext cx="0" cy="0"/>
+          <a:chOff x="0" y="0"/>
+          <a:chExt cx="0" cy="0"/>
+        </a:xfrm>
+      </p:grpSpPr>
+      <p:sp>
+        <p:nvSpPr>
+          <p:cNvPr id="2" name="슬라이드 이미지 개체 틀 1"/>
+          <p:cNvSpPr>
+            <a:spLocks noGrp="1" noRot="1" noChangeAspect="1"/>
+          </p:cNvSpPr>
+          <p:nvPr>
+            <p:ph type="sldImg"/>
+          </p:nvPr>
+        </p:nvSpPr>
+        <p:spPr/>
+      </p:sp>
+      <p:sp>
+        <p:nvSpPr>
+          <p:cNvPr id="3" name="슬라이드 노트 개체 틀 2"/>
+          <p:cNvSpPr>
+            <a:spLocks noGrp="1"/>
+          </p:cNvSpPr>
+          <p:nvPr>
+            <p:ph type="body" idx="1"/>
+          </p:nvPr>
+        </p:nvSpPr>
+        <p:spPr/>
+        <p:txBody>
+          <a:bodyPr/>
+          <a:lstStyle/>
+          <a:p>
+            <a:endParaRPr lang="en-US" altLang="ko-KR" sz="1200" b="0" i="0" kern="1200" dirty="0">
+              <a:solidFill>
+                <a:schemeClr val="tx1"/>
+              </a:solidFill>
+              <a:effectLst/>
+              <a:latin typeface="+mn-lt"/>
+              <a:ea typeface="+mn-ea"/>
+              <a:cs typeface="+mn-cs"/>
+            </a:endParaRPr>
+          </a:p>
+        </p:txBody>
+      </p:sp>
+      <p:sp>
+        <p:nvSpPr>
+          <p:cNvPr id="4" name="슬라이드 번호 개체 틀 3"/>
+          <p:cNvSpPr>
+            <a:spLocks noGrp="1"/>
+          </p:cNvSpPr>
+          <p:nvPr>
+            <p:ph type="sldNum" sz="quarter" idx="5"/>
+          </p:nvPr>
+        </p:nvSpPr>
+        <p:spPr/>
+        <p:txBody>
+          <a:bodyPr/>
+          <a:lstStyle/>
+          <a:p>
+            <a:fld id="{9D18DA39-55D1-4925-9EF2-886546AADBB5}" type="slidenum">
+              <a:rPr lang="ko-KR" altLang="en-US" smtClean="0"/>
+              <a:t>9</a:t>
+            </a:fld>
+            <a:endParaRPr lang="ko-KR" altLang="en-US"/>
+          </a:p>
+        </p:txBody>
+      </p:sp>
+    </p:spTree>
+    <p:extLst>
+      <p:ext uri="{BB962C8B-B14F-4D97-AF65-F5344CB8AC3E}">
+        <p14:creationId xmlns:p14="http://schemas.microsoft.com/office/powerpoint/2010/main" val="2061582560"/>
       </p:ext>
     </p:extLst>
   </p:cSld>
@@ -2142,7 +2460,7 @@
           <a:p>
             <a:fld id="{63937D59-5EDB-4C39-B697-625748F703B6}" type="datetimeFigureOut">
               <a:rPr lang="en-US" smtClean="0"/>
-              <a:t>8/3/2020</a:t>
+              <a:t>8/4/2020</a:t>
             </a:fld>
             <a:endParaRPr lang="en-US"/>
           </a:p>
@@ -2417,7 +2735,7 @@
           <a:p>
             <a:fld id="{63937D59-5EDB-4C39-B697-625748F703B6}" type="datetimeFigureOut">
               <a:rPr lang="en-US" smtClean="0"/>
-              <a:t>8/3/2020</a:t>
+              <a:t>8/4/2020</a:t>
             </a:fld>
             <a:endParaRPr lang="en-US"/>
           </a:p>
@@ -2669,7 +2987,7 @@
           <a:p>
             <a:fld id="{63937D59-5EDB-4C39-B697-625748F703B6}" type="datetimeFigureOut">
               <a:rPr lang="en-US" smtClean="0"/>
-              <a:t>8/3/2020</a:t>
+              <a:t>8/4/2020</a:t>
             </a:fld>
             <a:endParaRPr lang="en-US"/>
           </a:p>
@@ -2837,7 +3155,7 @@
           <a:p>
             <a:fld id="{63937D59-5EDB-4C39-B697-625748F703B6}" type="datetimeFigureOut">
               <a:rPr lang="en-US" smtClean="0"/>
-              <a:t>8/3/2020</a:t>
+              <a:t>8/4/2020</a:t>
             </a:fld>
             <a:endParaRPr lang="en-US"/>
           </a:p>
@@ -3015,7 +3333,7 @@
           <a:p>
             <a:fld id="{63937D59-5EDB-4C39-B697-625748F703B6}" type="datetimeFigureOut">
               <a:rPr lang="en-US" smtClean="0"/>
-              <a:t>8/3/2020</a:t>
+              <a:t>8/4/2020</a:t>
             </a:fld>
             <a:endParaRPr lang="en-US"/>
           </a:p>
@@ -3611,7 +3929,7 @@
           <a:p>
             <a:fld id="{63937D59-5EDB-4C39-B697-625748F703B6}" type="datetimeFigureOut">
               <a:rPr lang="en-US" smtClean="0"/>
-              <a:t>8/3/2020</a:t>
+              <a:t>8/4/2020</a:t>
             </a:fld>
             <a:endParaRPr lang="en-US"/>
           </a:p>
@@ -3779,7 +4097,7 @@
           <a:p>
             <a:fld id="{63937D59-5EDB-4C39-B697-625748F703B6}" type="datetimeFigureOut">
               <a:rPr lang="en-US" smtClean="0"/>
-              <a:t>8/3/2020</a:t>
+              <a:t>8/4/2020</a:t>
             </a:fld>
             <a:endParaRPr lang="en-US"/>
           </a:p>
@@ -4024,7 +4342,7 @@
           <a:p>
             <a:fld id="{63937D59-5EDB-4C39-B697-625748F703B6}" type="datetimeFigureOut">
               <a:rPr lang="en-US" smtClean="0"/>
-              <a:t>8/3/2020</a:t>
+              <a:t>8/4/2020</a:t>
             </a:fld>
             <a:endParaRPr lang="en-US"/>
           </a:p>
@@ -4309,7 +4627,7 @@
           <a:p>
             <a:fld id="{63937D59-5EDB-4C39-B697-625748F703B6}" type="datetimeFigureOut">
               <a:rPr lang="en-US" smtClean="0"/>
-              <a:t>8/3/2020</a:t>
+              <a:t>8/4/2020</a:t>
             </a:fld>
             <a:endParaRPr lang="en-US"/>
           </a:p>
@@ -4728,7 +5046,7 @@
           <a:p>
             <a:fld id="{63937D59-5EDB-4C39-B697-625748F703B6}" type="datetimeFigureOut">
               <a:rPr lang="en-US" smtClean="0"/>
-              <a:t>8/3/2020</a:t>
+              <a:t>8/4/2020</a:t>
             </a:fld>
             <a:endParaRPr lang="en-US"/>
           </a:p>
@@ -4845,7 +5163,7 @@
           <a:p>
             <a:fld id="{63937D59-5EDB-4C39-B697-625748F703B6}" type="datetimeFigureOut">
               <a:rPr lang="en-US" smtClean="0"/>
-              <a:t>8/3/2020</a:t>
+              <a:t>8/4/2020</a:t>
             </a:fld>
             <a:endParaRPr lang="en-US"/>
           </a:p>
@@ -5347,7 +5665,7 @@
           <a:p>
             <a:fld id="{63937D59-5EDB-4C39-B697-625748F703B6}" type="datetimeFigureOut">
               <a:rPr lang="en-US" smtClean="0"/>
-              <a:t>8/3/2020</a:t>
+              <a:t>8/4/2020</a:t>
             </a:fld>
             <a:endParaRPr lang="en-US"/>
           </a:p>
@@ -6076,7 +6394,7 @@
           <a:lstStyle/>
           <a:p>
             <a:r>
-              <a:rPr lang="en-US" altLang="ko-KR"/>
+              <a:rPr lang="en-US" altLang="ko-KR" dirty="0"/>
               <a:t>NN FILE – HOW TO DO  Forward / Backward propagation and w update for multi NN </a:t>
             </a:r>
             <a:endParaRPr lang="en-US" altLang="ko-KR" dirty="0">
@@ -6103,12 +6421,20 @@
           <a:p>
             <a:pPr algn="ctr"/>
             <a:r>
-              <a:rPr lang="en-US" sz="2000"/>
-              <a:t>Keras </a:t>
-            </a:r>
-            <a:r>
-              <a:rPr lang="ko-KR" altLang="en-US" sz="2000"/>
-              <a:t>탄생배경</a:t>
+              <a:rPr lang="en-US" sz="2000" dirty="0"/>
+              <a:t>What is </a:t>
+            </a:r>
+            <a:r>
+              <a:rPr lang="en-US" sz="2000" dirty="0" err="1"/>
+              <a:t>Keras</a:t>
+            </a:r>
+            <a:r>
+              <a:rPr lang="en-US" sz="2000" dirty="0"/>
+              <a:t> </a:t>
+            </a:r>
+            <a:r>
+              <a:rPr lang="en-US" sz="2000" baseline="30000" dirty="0"/>
+              <a:t>1</a:t>
             </a:r>
             <a:endParaRPr lang="en-US" sz="2000" dirty="0"/>
           </a:p>
@@ -6116,10 +6442,10 @@
       </p:sp>
       <p:pic>
         <p:nvPicPr>
-          <p:cNvPr id="4" name="그림 3">
+          <p:cNvPr id="2" name="그림 1">
             <a:extLst>
               <a:ext uri="{FF2B5EF4-FFF2-40B4-BE49-F238E27FC236}">
-                <a16:creationId xmlns:a16="http://schemas.microsoft.com/office/drawing/2014/main" id="{DE1764A1-6C33-443B-9FC2-A9DE9D018EF9}"/>
+                <a16:creationId xmlns:a16="http://schemas.microsoft.com/office/drawing/2014/main" id="{7C594476-8221-443C-9520-223A61595691}"/>
               </a:ext>
             </a:extLst>
           </p:cNvPr>
@@ -6136,115 +6462,18 @@
         </p:blipFill>
         <p:spPr>
           <a:xfrm>
-            <a:off x="-15399" y="-6774"/>
-            <a:ext cx="2819517" cy="3795886"/>
+            <a:off x="419100" y="923925"/>
+            <a:ext cx="7779266" cy="3952081"/>
           </a:xfrm>
           <a:prstGeom prst="rect">
             <a:avLst/>
           </a:prstGeom>
         </p:spPr>
       </p:pic>
-      <p:pic>
-        <p:nvPicPr>
-          <p:cNvPr id="6" name="그림 5">
-            <a:extLst>
-              <a:ext uri="{FF2B5EF4-FFF2-40B4-BE49-F238E27FC236}">
-                <a16:creationId xmlns:a16="http://schemas.microsoft.com/office/drawing/2014/main" id="{47EA0D8E-0E52-4DBB-BD8D-A1F00B9CBA8E}"/>
-              </a:ext>
-            </a:extLst>
-          </p:cNvPr>
-          <p:cNvPicPr>
-            <a:picLocks noChangeAspect="1"/>
-          </p:cNvPicPr>
-          <p:nvPr/>
-        </p:nvPicPr>
-        <p:blipFill>
-          <a:blip r:embed="rId4"/>
-          <a:stretch>
-            <a:fillRect/>
-          </a:stretch>
-        </p:blipFill>
-        <p:spPr>
-          <a:xfrm>
-            <a:off x="2790777" y="-6774"/>
-            <a:ext cx="2897523" cy="5143500"/>
-          </a:xfrm>
-          <a:prstGeom prst="rect">
-            <a:avLst/>
-          </a:prstGeom>
-        </p:spPr>
-      </p:pic>
-      <p:pic>
-        <p:nvPicPr>
-          <p:cNvPr id="7" name="그림 6">
-            <a:extLst>
-              <a:ext uri="{FF2B5EF4-FFF2-40B4-BE49-F238E27FC236}">
-                <a16:creationId xmlns:a16="http://schemas.microsoft.com/office/drawing/2014/main" id="{C67DAC51-CD53-4C34-AF76-E18EF34E0352}"/>
-              </a:ext>
-            </a:extLst>
-          </p:cNvPr>
-          <p:cNvPicPr>
-            <a:picLocks noChangeAspect="1"/>
-          </p:cNvPicPr>
-          <p:nvPr/>
-        </p:nvPicPr>
-        <p:blipFill>
-          <a:blip r:embed="rId5"/>
-          <a:stretch>
-            <a:fillRect/>
-          </a:stretch>
-        </p:blipFill>
-        <p:spPr>
-          <a:xfrm>
-            <a:off x="5688300" y="-6774"/>
-            <a:ext cx="3455700" cy="5143500"/>
-          </a:xfrm>
-          <a:prstGeom prst="rect">
-            <a:avLst/>
-          </a:prstGeom>
-        </p:spPr>
-      </p:pic>
-      <p:sp>
-        <p:nvSpPr>
-          <p:cNvPr id="8" name="직사각형 7">
-            <a:extLst>
-              <a:ext uri="{FF2B5EF4-FFF2-40B4-BE49-F238E27FC236}">
-                <a16:creationId xmlns:a16="http://schemas.microsoft.com/office/drawing/2014/main" id="{17C2BE7C-3A5F-4359-9B50-812EBF608CBA}"/>
-              </a:ext>
-            </a:extLst>
-          </p:cNvPr>
-          <p:cNvSpPr/>
-          <p:nvPr/>
-        </p:nvSpPr>
-        <p:spPr>
-          <a:xfrm>
-            <a:off x="0" y="4875116"/>
-            <a:ext cx="2541931" cy="261610"/>
-          </a:xfrm>
-          <a:prstGeom prst="rect">
-            <a:avLst/>
-          </a:prstGeom>
-        </p:spPr>
-        <p:txBody>
-          <a:bodyPr wrap="square">
-            <a:spAutoFit/>
-          </a:bodyPr>
-          <a:lstStyle/>
-          <a:p>
-            <a:r>
-              <a:rPr lang="en-US" altLang="ko-KR" sz="1100" dirty="0">
-                <a:hlinkClick r:id="rId6"/>
-              </a:rPr>
-              <a:t>https://brunch.co.kr/@hvnpoet/93</a:t>
-            </a:r>
-            <a:endParaRPr lang="ko-KR" altLang="en-US" sz="1100" dirty="0"/>
-          </a:p>
-        </p:txBody>
-      </p:sp>
     </p:spTree>
     <p:extLst>
       <p:ext uri="{BB962C8B-B14F-4D97-AF65-F5344CB8AC3E}">
-        <p14:creationId xmlns:p14="http://schemas.microsoft.com/office/powerpoint/2010/main" val="1214848703"/>
+        <p14:creationId xmlns:p14="http://schemas.microsoft.com/office/powerpoint/2010/main" val="506934684"/>
       </p:ext>
     </p:extLst>
   </p:cSld>
@@ -6271,71 +6500,42 @@
           <a:chExt cx="0" cy="0"/>
         </a:xfrm>
       </p:grpSpPr>
-      <p:sp>
-        <p:nvSpPr>
-          <p:cNvPr id="5" name="Content Placeholder 4"/>
-          <p:cNvSpPr>
-            <a:spLocks noGrp="1"/>
-          </p:cNvSpPr>
-          <p:nvPr>
-            <p:ph idx="10"/>
-          </p:nvPr>
-        </p:nvSpPr>
+      <p:pic>
+        <p:nvPicPr>
+          <p:cNvPr id="5" name="그림 4">
+            <a:extLst>
+              <a:ext uri="{FF2B5EF4-FFF2-40B4-BE49-F238E27FC236}">
+                <a16:creationId xmlns:a16="http://schemas.microsoft.com/office/drawing/2014/main" id="{0BC130EE-4B4A-41FB-95D8-23C64F9BB00E}"/>
+              </a:ext>
+            </a:extLst>
+          </p:cNvPr>
+          <p:cNvPicPr>
+            <a:picLocks noChangeAspect="1"/>
+          </p:cNvPicPr>
+          <p:nvPr/>
+        </p:nvPicPr>
+        <p:blipFill>
+          <a:blip r:embed="rId2"/>
+          <a:stretch>
+            <a:fillRect/>
+          </a:stretch>
+        </p:blipFill>
         <p:spPr>
           <a:xfrm>
-            <a:off x="179512" y="1131591"/>
-            <a:ext cx="8723312" cy="3672408"/>
+            <a:off x="0" y="483518"/>
+            <a:ext cx="2819517" cy="3795886"/>
           </a:xfrm>
+          <a:prstGeom prst="rect">
+            <a:avLst/>
+          </a:prstGeom>
         </p:spPr>
-        <p:txBody>
-          <a:bodyPr/>
-          <a:lstStyle/>
-          <a:p>
-            <a:r>
-              <a:rPr lang="en-US" altLang="ko-KR" dirty="0"/>
-              <a:t>NN FILE – HOW TO DO  Forward / Backward propagation and w update for multi NN </a:t>
-            </a:r>
-            <a:endParaRPr lang="en-US" altLang="ko-KR" dirty="0">
-              <a:latin typeface="Arial" pitchFamily="34" charset="0"/>
-              <a:cs typeface="Arial" pitchFamily="34" charset="0"/>
-            </a:endParaRPr>
-          </a:p>
-        </p:txBody>
-      </p:sp>
-      <p:sp>
-        <p:nvSpPr>
-          <p:cNvPr id="3" name="Title 2"/>
-          <p:cNvSpPr>
-            <a:spLocks noGrp="1"/>
-          </p:cNvSpPr>
-          <p:nvPr>
-            <p:ph type="title"/>
-          </p:nvPr>
-        </p:nvSpPr>
-        <p:spPr/>
-        <p:txBody>
-          <a:bodyPr/>
-          <a:lstStyle/>
-          <a:p>
-            <a:pPr algn="ctr"/>
-            <a:r>
-              <a:rPr lang="en-US" sz="2000" dirty="0"/>
-              <a:t>What is </a:t>
-            </a:r>
-            <a:r>
-              <a:rPr lang="en-US" sz="2000" dirty="0" err="1"/>
-              <a:t>Keras</a:t>
-            </a:r>
-            <a:endParaRPr lang="en-US" sz="2000" dirty="0"/>
-          </a:p>
-        </p:txBody>
-      </p:sp>
+      </p:pic>
       <p:pic>
         <p:nvPicPr>
-          <p:cNvPr id="2" name="그림 1">
+          <p:cNvPr id="6" name="그림 5">
             <a:extLst>
               <a:ext uri="{FF2B5EF4-FFF2-40B4-BE49-F238E27FC236}">
-                <a16:creationId xmlns:a16="http://schemas.microsoft.com/office/drawing/2014/main" id="{7C594476-8221-443C-9520-223A61595691}"/>
+                <a16:creationId xmlns:a16="http://schemas.microsoft.com/office/drawing/2014/main" id="{BDBA3946-3DE5-4525-9D69-969CD2CEDF14}"/>
               </a:ext>
             </a:extLst>
           </p:cNvPr>
@@ -6352,18 +6552,92 @@
         </p:blipFill>
         <p:spPr>
           <a:xfrm>
-            <a:off x="419100" y="923925"/>
-            <a:ext cx="8305800" cy="4219575"/>
+            <a:off x="2790777" y="-6774"/>
+            <a:ext cx="2897523" cy="5143500"/>
           </a:xfrm>
           <a:prstGeom prst="rect">
             <a:avLst/>
           </a:prstGeom>
         </p:spPr>
       </p:pic>
+      <p:pic>
+        <p:nvPicPr>
+          <p:cNvPr id="7" name="그림 6">
+            <a:extLst>
+              <a:ext uri="{FF2B5EF4-FFF2-40B4-BE49-F238E27FC236}">
+                <a16:creationId xmlns:a16="http://schemas.microsoft.com/office/drawing/2014/main" id="{110BAB81-CFA2-4580-AD43-94053887A083}"/>
+              </a:ext>
+            </a:extLst>
+          </p:cNvPr>
+          <p:cNvPicPr>
+            <a:picLocks noChangeAspect="1"/>
+          </p:cNvPicPr>
+          <p:nvPr/>
+        </p:nvPicPr>
+        <p:blipFill>
+          <a:blip r:embed="rId4"/>
+          <a:stretch>
+            <a:fillRect/>
+          </a:stretch>
+        </p:blipFill>
+        <p:spPr>
+          <a:xfrm>
+            <a:off x="5688300" y="-6774"/>
+            <a:ext cx="3455700" cy="5143500"/>
+          </a:xfrm>
+          <a:prstGeom prst="rect">
+            <a:avLst/>
+          </a:prstGeom>
+        </p:spPr>
+      </p:pic>
+      <p:sp>
+        <p:nvSpPr>
+          <p:cNvPr id="9" name="TextBox 8">
+            <a:extLst>
+              <a:ext uri="{FF2B5EF4-FFF2-40B4-BE49-F238E27FC236}">
+                <a16:creationId xmlns:a16="http://schemas.microsoft.com/office/drawing/2014/main" id="{56FD77A1-AA79-4F88-9D07-01FA23BE1B05}"/>
+              </a:ext>
+            </a:extLst>
+          </p:cNvPr>
+          <p:cNvSpPr txBox="1"/>
+          <p:nvPr/>
+        </p:nvSpPr>
+        <p:spPr>
+          <a:xfrm>
+            <a:off x="107504" y="70070"/>
+            <a:ext cx="2339752" cy="338554"/>
+          </a:xfrm>
+          <a:prstGeom prst="rect">
+            <a:avLst/>
+          </a:prstGeom>
+          <a:noFill/>
+        </p:spPr>
+        <p:txBody>
+          <a:bodyPr wrap="square" rtlCol="0">
+            <a:spAutoFit/>
+          </a:bodyPr>
+          <a:lstStyle/>
+          <a:p>
+            <a:r>
+              <a:rPr lang="ko-KR" altLang="en-US" sz="1600" dirty="0" err="1"/>
+              <a:t>케라스</a:t>
+            </a:r>
+            <a:r>
+              <a:rPr lang="ko-KR" altLang="en-US" sz="1600" dirty="0"/>
+              <a:t> 탄생 배경 </a:t>
+            </a:r>
+            <a:r>
+              <a:rPr lang="en-US" altLang="ko-KR" sz="1600" baseline="30000" dirty="0"/>
+              <a:t>2</a:t>
+            </a:r>
+            <a:endParaRPr lang="ko-KR" altLang="en-US" sz="1600" dirty="0"/>
+          </a:p>
+        </p:txBody>
+      </p:sp>
     </p:spTree>
     <p:extLst>
       <p:ext uri="{BB962C8B-B14F-4D97-AF65-F5344CB8AC3E}">
-        <p14:creationId xmlns:p14="http://schemas.microsoft.com/office/powerpoint/2010/main" val="506934684"/>
+        <p14:creationId xmlns:p14="http://schemas.microsoft.com/office/powerpoint/2010/main" val="29711541"/>
       </p:ext>
     </p:extLst>
   </p:cSld>
@@ -6403,141 +6677,88 @@
         <p:spPr>
           <a:xfrm>
             <a:off x="179512" y="1131591"/>
-            <a:ext cx="4392488" cy="3672408"/>
+            <a:ext cx="8723312" cy="3672408"/>
           </a:xfrm>
         </p:spPr>
         <p:txBody>
           <a:bodyPr/>
           <a:lstStyle/>
           <a:p>
-            <a:r>
-              <a:rPr lang="en-US" altLang="ko-KR" dirty="0" err="1"/>
-              <a:t>Pytorch</a:t>
-            </a:r>
-            <a:endParaRPr lang="en-US" altLang="ko-KR" dirty="0"/>
-          </a:p>
-          <a:p>
             <a:pPr marL="285750" indent="-285750">
+              <a:buFont typeface="Arial" panose="020B0604020202020204" pitchFamily="34" charset="0"/>
+              <a:buChar char="•"/>
+            </a:pPr>
+            <a:r>
+              <a:rPr lang="ko-KR" altLang="en-US" dirty="0">
+                <a:latin typeface="Arial" pitchFamily="34" charset="0"/>
+                <a:cs typeface="Arial" pitchFamily="34" charset="0"/>
+              </a:rPr>
+              <a:t>사용자 친화성</a:t>
+            </a:r>
+            <a:endParaRPr lang="en-US" altLang="ko-KR" dirty="0">
+              <a:latin typeface="Arial" pitchFamily="34" charset="0"/>
+              <a:cs typeface="Arial" pitchFamily="34" charset="0"/>
+            </a:endParaRPr>
+          </a:p>
+          <a:p>
+            <a:pPr marL="285750">
               <a:buFontTx/>
               <a:buChar char="-"/>
             </a:pPr>
             <a:r>
               <a:rPr lang="ko-KR" altLang="en-US" dirty="0"/>
-              <a:t>“빠르고 유연한 실험을 하게 해주는 딥 러닝 프레임워크”</a:t>
-            </a:r>
-            <a:r>
-              <a:rPr lang="en-US" altLang="ko-KR" baseline="30000" dirty="0"/>
-              <a:t> 1</a:t>
+              <a:t> </a:t>
+            </a:r>
+            <a:r>
+              <a:rPr lang="ko-KR" altLang="en-US" dirty="0" err="1"/>
+              <a:t>케라스는</a:t>
+            </a:r>
+            <a:r>
+              <a:rPr lang="ko-KR" altLang="en-US" dirty="0"/>
+              <a:t> 기계가 아닌 사람을 위해 디자인된 </a:t>
+            </a:r>
+            <a:r>
+              <a:rPr lang="en-US" altLang="ko-KR" dirty="0"/>
+              <a:t>API, </a:t>
+            </a:r>
+            <a:r>
+              <a:rPr lang="ko-KR" altLang="en-US" dirty="0"/>
+              <a:t>사용자의 경험을 우선으로 두는 것</a:t>
             </a:r>
             <a:endParaRPr lang="en-US" altLang="ko-KR" dirty="0"/>
           </a:p>
           <a:p>
-            <a:pPr marL="285750" indent="-285750">
+            <a:pPr marL="285750">
               <a:buFontTx/>
               <a:buChar char="-"/>
             </a:pPr>
             <a:r>
               <a:rPr lang="ko-KR" altLang="en-US" dirty="0"/>
-              <a:t>실험을 위한 비교적 낮은 수준의 환경을 제공</a:t>
-            </a:r>
-            <a:r>
-              <a:rPr lang="en-US" altLang="ko-KR" baseline="30000" dirty="0"/>
-              <a:t>2</a:t>
-            </a:r>
-            <a:endParaRPr lang="en-US" altLang="ko-KR" dirty="0"/>
-          </a:p>
-          <a:p>
-            <a:pPr marL="285750" indent="-285750">
-              <a:buFontTx/>
-              <a:buChar char="-"/>
-            </a:pPr>
+              <a:t> 자주 쓰는 기능에 대해서 사용자의 액션을 최소화하며</a:t>
+            </a:r>
+            <a:r>
+              <a:rPr lang="en-US" altLang="ko-KR" dirty="0"/>
+              <a:t>, </a:t>
+            </a:r>
             <a:r>
               <a:rPr lang="ko-KR" altLang="en-US" dirty="0"/>
-              <a:t>수치최적화 작업의 후드를 보다 자유롭게 볼 수 있고 보다 복잡한 아키텍처의 개발 가능</a:t>
-            </a:r>
-            <a:r>
-              <a:rPr lang="en-US" altLang="ko-KR" baseline="30000" dirty="0"/>
-              <a:t> 2</a:t>
-            </a:r>
-            <a:endParaRPr lang="en-US" altLang="ko-KR" dirty="0"/>
-          </a:p>
-          <a:p>
-            <a:pPr marL="285750" indent="-285750">
-              <a:buFontTx/>
-              <a:buChar char="-"/>
-            </a:pPr>
-            <a:endParaRPr lang="en-US" altLang="ko-KR" dirty="0"/>
-          </a:p>
-          <a:p>
-            <a:r>
-              <a:rPr lang="en-US" altLang="ko-KR" dirty="0" err="1"/>
-              <a:t>Keras</a:t>
-            </a:r>
-            <a:endParaRPr lang="en-US" altLang="ko-KR" dirty="0"/>
-          </a:p>
-          <a:p>
-            <a:pPr marL="285750" indent="-285750">
-              <a:buFontTx/>
-              <a:buChar char="-"/>
-            </a:pPr>
-            <a:r>
+              <a:t>사용자 에러가 발생하는 경우 명료하고 실행 </a:t>
+            </a:r>
+            <a:br>
               <a:rPr lang="en-US" altLang="ko-KR" dirty="0"/>
-              <a:t>“</a:t>
+            </a:br>
+            <a:r>
+              <a:rPr lang="en-US" altLang="ko-KR" dirty="0"/>
+              <a:t>  </a:t>
             </a:r>
             <a:r>
               <a:rPr lang="ko-KR" altLang="en-US" dirty="0"/>
-              <a:t>어떻게 하면 사람들이 코딩을 더 쉽게 할 수 있을까</a:t>
-            </a:r>
-            <a:r>
-              <a:rPr lang="en-US" altLang="ko-KR" dirty="0"/>
-              <a:t>?”</a:t>
-            </a:r>
-            <a:r>
-              <a:rPr lang="en-US" altLang="ko-KR" baseline="30000" dirty="0"/>
-              <a:t> 1</a:t>
-            </a:r>
-            <a:endParaRPr lang="en-US" altLang="ko-KR" dirty="0"/>
-          </a:p>
-          <a:p>
-            <a:pPr marL="285750" indent="-285750">
-              <a:buFontTx/>
-              <a:buChar char="-"/>
-            </a:pPr>
-            <a:r>
-              <a:rPr lang="ko-KR" altLang="en-US" dirty="0"/>
-              <a:t>일반적인 딥러닝 활용 사례에 맞춰 최적화</a:t>
-            </a:r>
-            <a:r>
-              <a:rPr lang="en-US" altLang="ko-KR" baseline="30000" dirty="0"/>
-              <a:t> 2</a:t>
-            </a:r>
-            <a:endParaRPr lang="en-US" altLang="ko-KR" dirty="0"/>
-          </a:p>
-          <a:p>
-            <a:pPr marL="285750" indent="-285750">
-              <a:buFontTx/>
-              <a:buChar char="-"/>
-            </a:pPr>
-            <a:r>
-              <a:rPr lang="ko-KR" altLang="en-US" dirty="0"/>
-              <a:t>보다 간결하고 간단한 </a:t>
-            </a:r>
-            <a:r>
-              <a:rPr lang="en-US" altLang="ko-KR" dirty="0"/>
-              <a:t>API</a:t>
-            </a:r>
-            <a:r>
-              <a:rPr lang="ko-KR" altLang="en-US" dirty="0"/>
-              <a:t>를 제공</a:t>
-            </a:r>
-            <a:r>
-              <a:rPr lang="en-US" altLang="ko-KR" baseline="30000" dirty="0"/>
-              <a:t> 2</a:t>
-            </a:r>
-            <a:endParaRPr lang="en-US" altLang="ko-KR" dirty="0"/>
-          </a:p>
-          <a:p>
-            <a:endParaRPr lang="en-US" altLang="ko-KR" dirty="0"/>
+              <a:t>가능한 피드백을 줌 </a:t>
+            </a:r>
+            <a:endParaRPr lang="en-US" altLang="ko-KR" dirty="0">
+              <a:latin typeface="Arial" pitchFamily="34" charset="0"/>
+              <a:cs typeface="Arial" pitchFamily="34" charset="0"/>
+            </a:endParaRPr>
           </a:p>
           <a:p>
             <a:pPr marL="285750" indent="-285750">
@@ -6551,6 +6772,361 @@
           </a:p>
           <a:p>
             <a:pPr marL="285750" indent="-285750">
+              <a:buFont typeface="Arial" panose="020B0604020202020204" pitchFamily="34" charset="0"/>
+              <a:buChar char="•"/>
+            </a:pPr>
+            <a:r>
+              <a:rPr lang="ko-KR" altLang="en-US" dirty="0" err="1"/>
+              <a:t>모듈성</a:t>
+            </a:r>
+            <a:endParaRPr lang="en-US" altLang="ko-KR" dirty="0"/>
+          </a:p>
+          <a:p>
+            <a:pPr marL="285750">
+              <a:buFontTx/>
+              <a:buChar char="-"/>
+            </a:pPr>
+            <a:r>
+              <a:rPr lang="ko-KR" altLang="en-US" dirty="0"/>
+              <a:t> 최소한의 제한으로 다양한 조합의 모델을 형성할 수 있다</a:t>
+            </a:r>
+            <a:r>
+              <a:rPr lang="en-US" altLang="ko-KR" dirty="0"/>
+              <a:t>.</a:t>
+            </a:r>
+          </a:p>
+          <a:p>
+            <a:pPr marL="285750"/>
+            <a:r>
+              <a:rPr lang="en-US" altLang="ko-KR" dirty="0"/>
+              <a:t>  (</a:t>
+            </a:r>
+            <a:r>
+              <a:rPr lang="ko-KR" altLang="en-US" dirty="0"/>
+              <a:t>신경망 레이어</a:t>
+            </a:r>
+            <a:r>
+              <a:rPr lang="en-US" altLang="ko-KR" dirty="0"/>
+              <a:t>, </a:t>
+            </a:r>
+            <a:r>
+              <a:rPr lang="ko-KR" altLang="en-US" dirty="0"/>
+              <a:t>손실 함수</a:t>
+            </a:r>
+            <a:r>
+              <a:rPr lang="en-US" altLang="ko-KR" dirty="0"/>
+              <a:t>, Optimizer, Activation Function </a:t>
+            </a:r>
+            <a:r>
+              <a:rPr lang="ko-KR" altLang="en-US" dirty="0"/>
+              <a:t>등</a:t>
+            </a:r>
+            <a:r>
+              <a:rPr lang="en-US" altLang="ko-KR" dirty="0"/>
+              <a:t>) </a:t>
+            </a:r>
+            <a:r>
+              <a:rPr lang="ko-KR" altLang="en-US" dirty="0"/>
+              <a:t> </a:t>
+            </a:r>
+            <a:endParaRPr lang="en-US" altLang="ko-KR" dirty="0"/>
+          </a:p>
+          <a:p>
+            <a:pPr marL="285750"/>
+            <a:endParaRPr lang="en-US" altLang="ko-KR" dirty="0"/>
+          </a:p>
+          <a:p>
+            <a:pPr marL="285750" indent="-285750">
+              <a:buFont typeface="Arial" panose="020B0604020202020204" pitchFamily="34" charset="0"/>
+              <a:buChar char="•"/>
+            </a:pPr>
+            <a:r>
+              <a:rPr lang="ko-KR" altLang="en-US" dirty="0"/>
+              <a:t>쉬운 확장성</a:t>
+            </a:r>
+            <a:endParaRPr lang="en-US" altLang="ko-KR" dirty="0"/>
+          </a:p>
+          <a:p>
+            <a:pPr marL="285750">
+              <a:buFontTx/>
+              <a:buChar char="-"/>
+            </a:pPr>
+            <a:r>
+              <a:rPr lang="ko-KR" altLang="en-US" dirty="0"/>
+              <a:t> 새로운 모듈을 간단하게 추가할 수 있기 때문에 풍부한 표현력을 갖는다</a:t>
+            </a:r>
+            <a:r>
+              <a:rPr lang="en-US" altLang="ko-KR" dirty="0"/>
+              <a:t>.</a:t>
+            </a:r>
+          </a:p>
+          <a:p>
+            <a:pPr marL="285750">
+              <a:buFontTx/>
+              <a:buChar char="-"/>
+            </a:pPr>
+            <a:endParaRPr lang="en-US" altLang="ko-KR" dirty="0"/>
+          </a:p>
+          <a:p>
+            <a:pPr marL="285750" indent="-285750">
+              <a:buFont typeface="Arial" panose="020B0604020202020204" pitchFamily="34" charset="0"/>
+              <a:buChar char="•"/>
+            </a:pPr>
+            <a:r>
+              <a:rPr lang="ko-KR" altLang="en-US" dirty="0" err="1"/>
+              <a:t>파이썬과의</a:t>
+            </a:r>
+            <a:r>
+              <a:rPr lang="ko-KR" altLang="en-US" dirty="0"/>
+              <a:t> 호환</a:t>
+            </a:r>
+            <a:endParaRPr lang="en-US" altLang="ko-KR" dirty="0"/>
+          </a:p>
+          <a:p>
+            <a:pPr marL="285750">
+              <a:buFontTx/>
+              <a:buChar char="-"/>
+            </a:pPr>
+            <a:r>
+              <a:rPr lang="ko-KR" altLang="en-US" dirty="0"/>
+              <a:t> 파이썬 코드로 작성되어 간결하고</a:t>
+            </a:r>
+            <a:r>
+              <a:rPr lang="en-US" altLang="ko-KR" dirty="0"/>
+              <a:t>, </a:t>
+            </a:r>
+            <a:r>
+              <a:rPr lang="ko-KR" altLang="en-US" dirty="0"/>
+              <a:t>오류를 수정하기 쉬우며</a:t>
+            </a:r>
+            <a:r>
+              <a:rPr lang="en-US" altLang="ko-KR" dirty="0"/>
+              <a:t>, </a:t>
+            </a:r>
+            <a:r>
+              <a:rPr lang="ko-KR" altLang="en-US" dirty="0"/>
+              <a:t>확장성이 뛰어나다</a:t>
+            </a:r>
+            <a:r>
+              <a:rPr lang="en-US" altLang="ko-KR" dirty="0"/>
+              <a:t>.</a:t>
+            </a:r>
+          </a:p>
+        </p:txBody>
+      </p:sp>
+      <p:sp>
+        <p:nvSpPr>
+          <p:cNvPr id="3" name="Title 2"/>
+          <p:cNvSpPr>
+            <a:spLocks noGrp="1"/>
+          </p:cNvSpPr>
+          <p:nvPr>
+            <p:ph type="title"/>
+          </p:nvPr>
+        </p:nvSpPr>
+        <p:spPr/>
+        <p:txBody>
+          <a:bodyPr/>
+          <a:lstStyle/>
+          <a:p>
+            <a:pPr algn="ctr"/>
+            <a:r>
+              <a:rPr lang="en-US" sz="2000" dirty="0"/>
+              <a:t>What is </a:t>
+            </a:r>
+            <a:r>
+              <a:rPr lang="en-US" sz="2000" dirty="0" err="1"/>
+              <a:t>Keras</a:t>
+            </a:r>
+            <a:r>
+              <a:rPr lang="en-US" sz="2000" dirty="0"/>
+              <a:t> </a:t>
+            </a:r>
+            <a:r>
+              <a:rPr lang="en-US" sz="2000" baseline="30000" dirty="0"/>
+              <a:t>3</a:t>
+            </a:r>
+            <a:endParaRPr lang="en-US" sz="2000" dirty="0"/>
+          </a:p>
+        </p:txBody>
+      </p:sp>
+    </p:spTree>
+    <p:extLst>
+      <p:ext uri="{BB962C8B-B14F-4D97-AF65-F5344CB8AC3E}">
+        <p14:creationId xmlns:p14="http://schemas.microsoft.com/office/powerpoint/2010/main" val="2390788921"/>
+      </p:ext>
+    </p:extLst>
+  </p:cSld>
+  <p:clrMapOvr>
+    <a:masterClrMapping/>
+  </p:clrMapOvr>
+</p:sld>
+</file>
+
+<file path=ppt/slides/slide5.xml><?xml version="1.0" encoding="utf-8"?>
+<p:sld xmlns:a="http://schemas.openxmlformats.org/drawingml/2006/main" xmlns:r="http://schemas.openxmlformats.org/officeDocument/2006/relationships" xmlns:p="http://schemas.openxmlformats.org/presentationml/2006/main">
+  <p:cSld>
+    <p:spTree>
+      <p:nvGrpSpPr>
+        <p:cNvPr id="1" name=""/>
+        <p:cNvGrpSpPr/>
+        <p:nvPr/>
+      </p:nvGrpSpPr>
+      <p:grpSpPr>
+        <a:xfrm>
+          <a:off x="0" y="0"/>
+          <a:ext cx="0" cy="0"/>
+          <a:chOff x="0" y="0"/>
+          <a:chExt cx="0" cy="0"/>
+        </a:xfrm>
+      </p:grpSpPr>
+      <p:sp>
+        <p:nvSpPr>
+          <p:cNvPr id="5" name="Content Placeholder 4"/>
+          <p:cNvSpPr>
+            <a:spLocks noGrp="1"/>
+          </p:cNvSpPr>
+          <p:nvPr>
+            <p:ph idx="10"/>
+          </p:nvPr>
+        </p:nvSpPr>
+        <p:spPr>
+          <a:xfrm>
+            <a:off x="179512" y="1131591"/>
+            <a:ext cx="4392488" cy="3672408"/>
+          </a:xfrm>
+        </p:spPr>
+        <p:txBody>
+          <a:bodyPr/>
+          <a:lstStyle/>
+          <a:p>
+            <a:r>
+              <a:rPr lang="en-US" altLang="ko-KR" dirty="0" err="1"/>
+              <a:t>Pytorch</a:t>
+            </a:r>
+            <a:endParaRPr lang="en-US" altLang="ko-KR" dirty="0"/>
+          </a:p>
+          <a:p>
+            <a:pPr marL="285750" indent="-285750">
+              <a:buFontTx/>
+              <a:buChar char="-"/>
+            </a:pPr>
+            <a:r>
+              <a:rPr lang="ko-KR" altLang="en-US" dirty="0"/>
+              <a:t>“빠르고 유연한 실험을 하게 해주는 딥 러닝 프레임워크”</a:t>
+            </a:r>
+            <a:r>
+              <a:rPr lang="en-US" altLang="ko-KR" baseline="30000" dirty="0"/>
+              <a:t> </a:t>
+            </a:r>
+            <a:endParaRPr lang="en-US" altLang="ko-KR" dirty="0"/>
+          </a:p>
+          <a:p>
+            <a:pPr marL="285750" indent="-285750">
+              <a:buFontTx/>
+              <a:buChar char="-"/>
+            </a:pPr>
+            <a:r>
+              <a:rPr lang="ko-KR" altLang="en-US" dirty="0"/>
+              <a:t>실험을 위한 비교적 낮은 수준의 환경을 제공 </a:t>
+            </a:r>
+            <a:endParaRPr lang="en-US" altLang="ko-KR" dirty="0"/>
+          </a:p>
+          <a:p>
+            <a:pPr marL="285750" indent="-285750">
+              <a:buFontTx/>
+              <a:buChar char="-"/>
+            </a:pPr>
+            <a:r>
+              <a:rPr lang="ko-KR" altLang="en-US" dirty="0"/>
+              <a:t>수치최적화 작업의 후드를 보다 자유롭게 볼 수 있고 보다 복잡한 아키텍처의 개발 가능</a:t>
+            </a:r>
+            <a:r>
+              <a:rPr lang="en-US" altLang="ko-KR" baseline="30000" dirty="0"/>
+              <a:t> </a:t>
+            </a:r>
+            <a:endParaRPr lang="en-US" altLang="ko-KR" dirty="0"/>
+          </a:p>
+          <a:p>
+            <a:pPr marL="285750" indent="-285750">
+              <a:buFontTx/>
+              <a:buChar char="-"/>
+            </a:pPr>
+            <a:endParaRPr lang="en-US" altLang="ko-KR" dirty="0"/>
+          </a:p>
+          <a:p>
+            <a:r>
+              <a:rPr lang="en-US" altLang="ko-KR" dirty="0" err="1"/>
+              <a:t>Keras</a:t>
+            </a:r>
+            <a:endParaRPr lang="en-US" altLang="ko-KR" dirty="0"/>
+          </a:p>
+          <a:p>
+            <a:pPr marL="285750" indent="-285750">
+              <a:buFontTx/>
+              <a:buChar char="-"/>
+            </a:pPr>
+            <a:r>
+              <a:rPr lang="en-US" altLang="ko-KR" dirty="0"/>
+              <a:t>“</a:t>
+            </a:r>
+            <a:r>
+              <a:rPr lang="ko-KR" altLang="en-US" dirty="0"/>
+              <a:t>어떻게 하면 사람들이 코딩을 더 쉽게 할 수 있을까</a:t>
+            </a:r>
+            <a:r>
+              <a:rPr lang="en-US" altLang="ko-KR" dirty="0"/>
+              <a:t>?”</a:t>
+            </a:r>
+            <a:r>
+              <a:rPr lang="en-US" altLang="ko-KR" baseline="30000" dirty="0"/>
+              <a:t> </a:t>
+            </a:r>
+            <a:endParaRPr lang="en-US" altLang="ko-KR" dirty="0"/>
+          </a:p>
+          <a:p>
+            <a:pPr marL="285750" indent="-285750">
+              <a:buFontTx/>
+              <a:buChar char="-"/>
+            </a:pPr>
+            <a:r>
+              <a:rPr lang="ko-KR" altLang="en-US" dirty="0"/>
+              <a:t>일반적인 딥러닝 활용 사례에 맞춰 최적화</a:t>
+            </a:r>
+            <a:r>
+              <a:rPr lang="en-US" altLang="ko-KR" baseline="30000" dirty="0"/>
+              <a:t> </a:t>
+            </a:r>
+            <a:endParaRPr lang="en-US" altLang="ko-KR" dirty="0"/>
+          </a:p>
+          <a:p>
+            <a:pPr marL="285750" indent="-285750">
+              <a:buFontTx/>
+              <a:buChar char="-"/>
+            </a:pPr>
+            <a:r>
+              <a:rPr lang="ko-KR" altLang="en-US" dirty="0"/>
+              <a:t>보다 간결하고 간단한 </a:t>
+            </a:r>
+            <a:r>
+              <a:rPr lang="en-US" altLang="ko-KR" dirty="0"/>
+              <a:t>API</a:t>
+            </a:r>
+            <a:r>
+              <a:rPr lang="ko-KR" altLang="en-US" dirty="0"/>
+              <a:t>를 제공</a:t>
+            </a:r>
+            <a:r>
+              <a:rPr lang="en-US" altLang="ko-KR" baseline="30000" dirty="0"/>
+              <a:t> </a:t>
+            </a:r>
+            <a:endParaRPr lang="en-US" altLang="ko-KR" dirty="0"/>
+          </a:p>
+          <a:p>
+            <a:endParaRPr lang="en-US" altLang="ko-KR" dirty="0"/>
+          </a:p>
+          <a:p>
+            <a:pPr marL="285750" indent="-285750">
               <a:buFontTx/>
               <a:buChar char="-"/>
             </a:pPr>
@@ -6559,6 +7135,16 @@
               <a:cs typeface="Arial" pitchFamily="34" charset="0"/>
             </a:endParaRPr>
           </a:p>
+          <a:p>
+            <a:pPr marL="285750" indent="-285750">
+              <a:buFontTx/>
+              <a:buChar char="-"/>
+            </a:pPr>
+            <a:endParaRPr lang="en-US" altLang="ko-KR" dirty="0">
+              <a:latin typeface="Arial" pitchFamily="34" charset="0"/>
+              <a:cs typeface="Arial" pitchFamily="34" charset="0"/>
+            </a:endParaRPr>
+          </a:p>
         </p:txBody>
       </p:sp>
       <p:sp>
@@ -6592,6 +7178,14 @@
             <a:r>
               <a:rPr lang="en-US" sz="2000" dirty="0" err="1"/>
               <a:t>Keras</a:t>
+            </a:r>
+            <a:r>
+              <a:rPr lang="en-US" sz="2000" dirty="0"/>
+              <a:t> </a:t>
+            </a:r>
+            <a:r>
+              <a:rPr lang="en-US" sz="2000" baseline="30000" dirty="0"/>
+              <a:t>4, 5</a:t>
             </a:r>
             <a:endParaRPr lang="en-US" sz="2000" dirty="0"/>
           </a:p>
@@ -6768,69 +7362,6 @@
               <a:buChar char="-"/>
             </a:pPr>
             <a:endParaRPr lang="en-US" altLang="ko-KR" dirty="0"/>
-          </a:p>
-        </p:txBody>
-      </p:sp>
-      <p:sp>
-        <p:nvSpPr>
-          <p:cNvPr id="4" name="TextBox 3">
-            <a:extLst>
-              <a:ext uri="{FF2B5EF4-FFF2-40B4-BE49-F238E27FC236}">
-                <a16:creationId xmlns:a16="http://schemas.microsoft.com/office/drawing/2014/main" id="{F9370F36-5624-49BF-8102-4C7AC78A4435}"/>
-              </a:ext>
-            </a:extLst>
-          </p:cNvPr>
-          <p:cNvSpPr txBox="1"/>
-          <p:nvPr/>
-        </p:nvSpPr>
-        <p:spPr>
-          <a:xfrm>
-            <a:off x="0" y="4712613"/>
-            <a:ext cx="4860032" cy="430887"/>
-          </a:xfrm>
-          <a:prstGeom prst="rect">
-            <a:avLst/>
-          </a:prstGeom>
-          <a:noFill/>
-        </p:spPr>
-        <p:txBody>
-          <a:bodyPr wrap="square" rtlCol="0">
-            <a:spAutoFit/>
-          </a:bodyPr>
-          <a:lstStyle/>
-          <a:p>
-            <a:r>
-              <a:rPr lang="en-US" altLang="ko-KR" sz="1100" baseline="30000" dirty="0">
-                <a:hlinkClick r:id="rId3"/>
-              </a:rPr>
-              <a:t>1 </a:t>
-            </a:r>
-            <a:r>
-              <a:rPr lang="en-US" altLang="ko-KR" sz="1100" dirty="0">
-                <a:hlinkClick r:id="rId3"/>
-              </a:rPr>
-              <a:t>https://sdc-james.gitbook.io/onebook/1./1.1.-artificial-intelligence/1.1.5</a:t>
-            </a:r>
-            <a:endParaRPr lang="en-US" altLang="ko-KR" sz="1100" dirty="0"/>
-          </a:p>
-          <a:p>
-            <a:r>
-              <a:rPr lang="en-US" altLang="ko-KR" sz="1100" baseline="30000" dirty="0">
-                <a:hlinkClick r:id="rId4"/>
-              </a:rPr>
-              <a:t>2 </a:t>
-            </a:r>
-            <a:r>
-              <a:rPr lang="en-US" altLang="ko-KR" sz="1100" dirty="0">
-                <a:hlinkClick r:id="rId4"/>
-              </a:rPr>
-              <a:t>https://blog.naver.com/dltnwjddldi/221711339912</a:t>
-            </a:r>
-            <a:r>
-              <a:rPr lang="en-US" altLang="ko-KR" sz="1100" dirty="0"/>
-              <a:t> </a:t>
-            </a:r>
-            <a:endParaRPr lang="ko-KR" altLang="en-US" sz="1100" dirty="0"/>
           </a:p>
         </p:txBody>
       </p:sp>
@@ -6849,11 +7380,11 @@
           <p:nvPr/>
         </p:nvPicPr>
         <p:blipFill>
-          <a:blip r:embed="rId5">
+          <a:blip r:embed="rId3">
             <a:extLst>
               <a:ext uri="{BEBA8EAE-BF5A-486C-A8C5-ECC9F3942E4B}">
                 <a14:imgProps xmlns:a14="http://schemas.microsoft.com/office/drawing/2010/main">
-                  <a14:imgLayer r:embed="rId6">
+                  <a14:imgLayer r:embed="rId4">
                     <a14:imgEffect>
                       <a14:backgroundRemoval t="9761" b="93492" l="9958" r="89831">
                         <a14:foregroundMark x1="52966" y1="89805" x2="52966" y2="89805"/>
@@ -6963,7 +7494,374 @@
 </p:sld>
 </file>
 
-<file path=ppt/slides/slide5.xml><?xml version="1.0" encoding="utf-8"?>
+<file path=ppt/slides/slide6.xml><?xml version="1.0" encoding="utf-8"?>
+<p:sld xmlns:a="http://schemas.openxmlformats.org/drawingml/2006/main" xmlns:r="http://schemas.openxmlformats.org/officeDocument/2006/relationships" xmlns:p="http://schemas.openxmlformats.org/presentationml/2006/main">
+  <p:cSld>
+    <p:spTree>
+      <p:nvGrpSpPr>
+        <p:cNvPr id="1" name=""/>
+        <p:cNvGrpSpPr/>
+        <p:nvPr/>
+      </p:nvGrpSpPr>
+      <p:grpSpPr>
+        <a:xfrm>
+          <a:off x="0" y="0"/>
+          <a:ext cx="0" cy="0"/>
+          <a:chOff x="0" y="0"/>
+          <a:chExt cx="0" cy="0"/>
+        </a:xfrm>
+      </p:grpSpPr>
+      <p:sp>
+        <p:nvSpPr>
+          <p:cNvPr id="3" name="Title 2"/>
+          <p:cNvSpPr>
+            <a:spLocks noGrp="1"/>
+          </p:cNvSpPr>
+          <p:nvPr>
+            <p:ph type="title"/>
+          </p:nvPr>
+        </p:nvSpPr>
+        <p:spPr/>
+        <p:txBody>
+          <a:bodyPr/>
+          <a:lstStyle/>
+          <a:p>
+            <a:pPr algn="ctr"/>
+            <a:r>
+              <a:rPr lang="en-US" sz="2000" dirty="0" err="1"/>
+              <a:t>Keras</a:t>
+            </a:r>
+            <a:r>
+              <a:rPr lang="en-US" sz="2000" dirty="0"/>
+              <a:t> </a:t>
+            </a:r>
+            <a:r>
+              <a:rPr lang="ko-KR" altLang="en-US" sz="2000" dirty="0"/>
+              <a:t>기본 개념</a:t>
+            </a:r>
+            <a:r>
+              <a:rPr lang="en-US" sz="2000" dirty="0"/>
+              <a:t> </a:t>
+            </a:r>
+            <a:r>
+              <a:rPr lang="en-US" sz="2000" baseline="30000" dirty="0"/>
+              <a:t>1</a:t>
+            </a:r>
+            <a:endParaRPr lang="en-US" sz="2000" dirty="0"/>
+          </a:p>
+        </p:txBody>
+      </p:sp>
+      <p:sp>
+        <p:nvSpPr>
+          <p:cNvPr id="6" name="Content Placeholder 4">
+            <a:extLst>
+              <a:ext uri="{FF2B5EF4-FFF2-40B4-BE49-F238E27FC236}">
+                <a16:creationId xmlns:a16="http://schemas.microsoft.com/office/drawing/2014/main" id="{A2BE888C-CFD9-4135-B434-7D73FE744D26}"/>
+              </a:ext>
+            </a:extLst>
+          </p:cNvPr>
+          <p:cNvSpPr txBox="1">
+            <a:spLocks/>
+          </p:cNvSpPr>
+          <p:nvPr/>
+        </p:nvSpPr>
+        <p:spPr>
+          <a:xfrm>
+            <a:off x="4689928" y="1279445"/>
+            <a:ext cx="4392488" cy="3672408"/>
+          </a:xfrm>
+          <a:prstGeom prst="rect">
+            <a:avLst/>
+          </a:prstGeom>
+        </p:spPr>
+        <p:txBody>
+          <a:bodyPr lIns="396000" anchor="t"/>
+          <a:lstStyle>
+            <a:lvl1pPr marL="0" indent="0" algn="l" defTabSz="914400" rtl="0" eaLnBrk="1" latinLnBrk="1" hangingPunct="1">
+              <a:spcBef>
+                <a:spcPct val="20000"/>
+              </a:spcBef>
+              <a:buFont typeface="Arial" pitchFamily="34" charset="0"/>
+              <a:buNone/>
+              <a:defRPr sz="1400" kern="1200">
+                <a:solidFill>
+                  <a:schemeClr val="tx1">
+                    <a:lumMod val="75000"/>
+                    <a:lumOff val="25000"/>
+                  </a:schemeClr>
+                </a:solidFill>
+                <a:latin typeface="Arial" pitchFamily="34" charset="0"/>
+                <a:ea typeface="+mn-ea"/>
+                <a:cs typeface="Arial" pitchFamily="34" charset="0"/>
+              </a:defRPr>
+            </a:lvl1pPr>
+            <a:lvl2pPr marL="742950" indent="-285750" algn="l" defTabSz="914400" rtl="0" eaLnBrk="1" latinLnBrk="1" hangingPunct="1">
+              <a:spcBef>
+                <a:spcPct val="20000"/>
+              </a:spcBef>
+              <a:buFont typeface="Arial" pitchFamily="34" charset="0"/>
+              <a:buChar char="–"/>
+              <a:defRPr sz="2800" kern="1200">
+                <a:solidFill>
+                  <a:schemeClr val="tx1"/>
+                </a:solidFill>
+                <a:latin typeface="+mn-lt"/>
+                <a:ea typeface="+mn-ea"/>
+                <a:cs typeface="+mn-cs"/>
+              </a:defRPr>
+            </a:lvl2pPr>
+            <a:lvl3pPr marL="1143000" indent="-228600" algn="l" defTabSz="914400" rtl="0" eaLnBrk="1" latinLnBrk="1" hangingPunct="1">
+              <a:spcBef>
+                <a:spcPct val="20000"/>
+              </a:spcBef>
+              <a:buFont typeface="Arial" pitchFamily="34" charset="0"/>
+              <a:buChar char="•"/>
+              <a:defRPr sz="2400" kern="1200">
+                <a:solidFill>
+                  <a:schemeClr val="tx1"/>
+                </a:solidFill>
+                <a:latin typeface="+mn-lt"/>
+                <a:ea typeface="+mn-ea"/>
+                <a:cs typeface="+mn-cs"/>
+              </a:defRPr>
+            </a:lvl3pPr>
+            <a:lvl4pPr marL="1600200" indent="-228600" algn="l" defTabSz="914400" rtl="0" eaLnBrk="1" latinLnBrk="1" hangingPunct="1">
+              <a:spcBef>
+                <a:spcPct val="20000"/>
+              </a:spcBef>
+              <a:buFont typeface="Arial" pitchFamily="34" charset="0"/>
+              <a:buChar char="–"/>
+              <a:defRPr sz="2000" kern="1200">
+                <a:solidFill>
+                  <a:schemeClr val="tx1"/>
+                </a:solidFill>
+                <a:latin typeface="+mn-lt"/>
+                <a:ea typeface="+mn-ea"/>
+                <a:cs typeface="+mn-cs"/>
+              </a:defRPr>
+            </a:lvl4pPr>
+            <a:lvl5pPr marL="2057400" indent="-228600" algn="l" defTabSz="914400" rtl="0" eaLnBrk="1" latinLnBrk="1" hangingPunct="1">
+              <a:spcBef>
+                <a:spcPct val="20000"/>
+              </a:spcBef>
+              <a:buFont typeface="Arial" pitchFamily="34" charset="0"/>
+              <a:buChar char="»"/>
+              <a:defRPr sz="2000" kern="1200">
+                <a:solidFill>
+                  <a:schemeClr val="tx1"/>
+                </a:solidFill>
+                <a:latin typeface="+mn-lt"/>
+                <a:ea typeface="+mn-ea"/>
+                <a:cs typeface="+mn-cs"/>
+              </a:defRPr>
+            </a:lvl5pPr>
+            <a:lvl6pPr marL="2514600" indent="-228600" algn="l" defTabSz="914400" rtl="0" eaLnBrk="1" latinLnBrk="1" hangingPunct="1">
+              <a:spcBef>
+                <a:spcPct val="20000"/>
+              </a:spcBef>
+              <a:buFont typeface="Arial" pitchFamily="34" charset="0"/>
+              <a:buChar char="•"/>
+              <a:defRPr sz="2000" kern="1200">
+                <a:solidFill>
+                  <a:schemeClr val="tx1"/>
+                </a:solidFill>
+                <a:latin typeface="+mn-lt"/>
+                <a:ea typeface="+mn-ea"/>
+                <a:cs typeface="+mn-cs"/>
+              </a:defRPr>
+            </a:lvl6pPr>
+            <a:lvl7pPr marL="2971800" indent="-228600" algn="l" defTabSz="914400" rtl="0" eaLnBrk="1" latinLnBrk="1" hangingPunct="1">
+              <a:spcBef>
+                <a:spcPct val="20000"/>
+              </a:spcBef>
+              <a:buFont typeface="Arial" pitchFamily="34" charset="0"/>
+              <a:buChar char="•"/>
+              <a:defRPr sz="2000" kern="1200">
+                <a:solidFill>
+                  <a:schemeClr val="tx1"/>
+                </a:solidFill>
+                <a:latin typeface="+mn-lt"/>
+                <a:ea typeface="+mn-ea"/>
+                <a:cs typeface="+mn-cs"/>
+              </a:defRPr>
+            </a:lvl7pPr>
+            <a:lvl8pPr marL="3429000" indent="-228600" algn="l" defTabSz="914400" rtl="0" eaLnBrk="1" latinLnBrk="1" hangingPunct="1">
+              <a:spcBef>
+                <a:spcPct val="20000"/>
+              </a:spcBef>
+              <a:buFont typeface="Arial" pitchFamily="34" charset="0"/>
+              <a:buChar char="•"/>
+              <a:defRPr sz="2000" kern="1200">
+                <a:solidFill>
+                  <a:schemeClr val="tx1"/>
+                </a:solidFill>
+                <a:latin typeface="+mn-lt"/>
+                <a:ea typeface="+mn-ea"/>
+                <a:cs typeface="+mn-cs"/>
+              </a:defRPr>
+            </a:lvl8pPr>
+            <a:lvl9pPr marL="3886200" indent="-228600" algn="l" defTabSz="914400" rtl="0" eaLnBrk="1" latinLnBrk="1" hangingPunct="1">
+              <a:spcBef>
+                <a:spcPct val="20000"/>
+              </a:spcBef>
+              <a:buFont typeface="Arial" pitchFamily="34" charset="0"/>
+              <a:buChar char="•"/>
+              <a:defRPr sz="2000" kern="1200">
+                <a:solidFill>
+                  <a:schemeClr val="tx1"/>
+                </a:solidFill>
+                <a:latin typeface="+mn-lt"/>
+                <a:ea typeface="+mn-ea"/>
+                <a:cs typeface="+mn-cs"/>
+              </a:defRPr>
+            </a:lvl9pPr>
+          </a:lstStyle>
+          <a:p>
+            <a:pPr marL="285750" indent="-285750">
+              <a:buFontTx/>
+              <a:buChar char="-"/>
+            </a:pPr>
+            <a:endParaRPr lang="en-US" altLang="ko-KR" dirty="0"/>
+          </a:p>
+        </p:txBody>
+      </p:sp>
+      <p:pic>
+        <p:nvPicPr>
+          <p:cNvPr id="10" name="그림 9">
+            <a:extLst>
+              <a:ext uri="{FF2B5EF4-FFF2-40B4-BE49-F238E27FC236}">
+                <a16:creationId xmlns:a16="http://schemas.microsoft.com/office/drawing/2014/main" id="{6A804228-3A73-4351-86EF-E108788051DE}"/>
+              </a:ext>
+            </a:extLst>
+          </p:cNvPr>
+          <p:cNvPicPr>
+            <a:picLocks noChangeAspect="1"/>
+          </p:cNvPicPr>
+          <p:nvPr/>
+        </p:nvPicPr>
+        <p:blipFill>
+          <a:blip r:embed="rId3"/>
+          <a:stretch>
+            <a:fillRect/>
+          </a:stretch>
+        </p:blipFill>
+        <p:spPr>
+          <a:xfrm>
+            <a:off x="323528" y="2320286"/>
+            <a:ext cx="4248472" cy="2236588"/>
+          </a:xfrm>
+          <a:prstGeom prst="rect">
+            <a:avLst/>
+          </a:prstGeom>
+        </p:spPr>
+      </p:pic>
+      <p:pic>
+        <p:nvPicPr>
+          <p:cNvPr id="11" name="그림 10">
+            <a:extLst>
+              <a:ext uri="{FF2B5EF4-FFF2-40B4-BE49-F238E27FC236}">
+                <a16:creationId xmlns:a16="http://schemas.microsoft.com/office/drawing/2014/main" id="{6BCCBF3A-3AE0-4405-93CE-F8E94DC967E6}"/>
+              </a:ext>
+            </a:extLst>
+          </p:cNvPr>
+          <p:cNvPicPr>
+            <a:picLocks noChangeAspect="1"/>
+          </p:cNvPicPr>
+          <p:nvPr/>
+        </p:nvPicPr>
+        <p:blipFill>
+          <a:blip r:embed="rId4"/>
+          <a:stretch>
+            <a:fillRect/>
+          </a:stretch>
+        </p:blipFill>
+        <p:spPr>
+          <a:xfrm>
+            <a:off x="4572000" y="2320286"/>
+            <a:ext cx="4392489" cy="2374181"/>
+          </a:xfrm>
+          <a:prstGeom prst="rect">
+            <a:avLst/>
+          </a:prstGeom>
+        </p:spPr>
+      </p:pic>
+      <p:sp>
+        <p:nvSpPr>
+          <p:cNvPr id="13" name="직사각형 12">
+            <a:extLst>
+              <a:ext uri="{FF2B5EF4-FFF2-40B4-BE49-F238E27FC236}">
+                <a16:creationId xmlns:a16="http://schemas.microsoft.com/office/drawing/2014/main" id="{0E883E78-7549-452C-8AEE-E5692919CCFF}"/>
+              </a:ext>
+            </a:extLst>
+          </p:cNvPr>
+          <p:cNvSpPr/>
+          <p:nvPr/>
+        </p:nvSpPr>
+        <p:spPr>
+          <a:xfrm>
+            <a:off x="251520" y="1430534"/>
+            <a:ext cx="6448195" cy="738664"/>
+          </a:xfrm>
+          <a:prstGeom prst="rect">
+            <a:avLst/>
+          </a:prstGeom>
+        </p:spPr>
+        <p:txBody>
+          <a:bodyPr wrap="square">
+            <a:spAutoFit/>
+          </a:bodyPr>
+          <a:lstStyle/>
+          <a:p>
+            <a:pPr marL="285750" indent="-285750">
+              <a:buFontTx/>
+              <a:buChar char="-"/>
+            </a:pPr>
+            <a:r>
+              <a:rPr lang="ko-KR" altLang="en-US" sz="1400" dirty="0" err="1"/>
+              <a:t>케라스로</a:t>
+            </a:r>
+            <a:r>
+              <a:rPr lang="ko-KR" altLang="en-US" sz="1400" dirty="0"/>
+              <a:t> 딥러닝 모델을 만들 때는 다음과 같은 순서로 작성합니다</a:t>
+            </a:r>
+            <a:r>
+              <a:rPr lang="en-US" altLang="ko-KR" sz="1400" dirty="0"/>
+              <a:t>. </a:t>
+            </a:r>
+          </a:p>
+          <a:p>
+            <a:pPr marL="285750" indent="-285750">
+              <a:buFontTx/>
+              <a:buChar char="-"/>
+            </a:pPr>
+            <a:r>
+              <a:rPr lang="ko-KR" altLang="en-US" sz="1400" dirty="0"/>
+              <a:t>다른 딥러닝 라이브러리와 비슷한 순서이지만 훨씬 직관적이고 간결합니다</a:t>
+            </a:r>
+            <a:r>
+              <a:rPr lang="en-US" altLang="ko-KR" sz="1400" dirty="0"/>
+              <a:t>.</a:t>
+            </a:r>
+          </a:p>
+          <a:p>
+            <a:endParaRPr lang="en-US" altLang="ko-KR" sz="1400" dirty="0"/>
+          </a:p>
+        </p:txBody>
+      </p:sp>
+    </p:spTree>
+    <p:extLst>
+      <p:ext uri="{BB962C8B-B14F-4D97-AF65-F5344CB8AC3E}">
+        <p14:creationId xmlns:p14="http://schemas.microsoft.com/office/powerpoint/2010/main" val="3779592882"/>
+      </p:ext>
+    </p:extLst>
+  </p:cSld>
+  <p:clrMapOvr>
+    <a:masterClrMapping/>
+  </p:clrMapOvr>
+</p:sld>
+</file>
+
+<file path=ppt/slides/slide7.xml><?xml version="1.0" encoding="utf-8"?>
 <p:sld xmlns:a="http://schemas.openxmlformats.org/drawingml/2006/main" xmlns:r="http://schemas.openxmlformats.org/officeDocument/2006/relationships" xmlns:p="http://schemas.openxmlformats.org/presentationml/2006/main">
   <p:cSld>
     <p:bg>
@@ -7413,7 +8311,7 @@
 </p:sld>
 </file>
 
-<file path=ppt/slides/slide6.xml><?xml version="1.0" encoding="utf-8"?>
+<file path=ppt/slides/slide8.xml><?xml version="1.0" encoding="utf-8"?>
 <p:sld xmlns:a="http://schemas.openxmlformats.org/drawingml/2006/main" xmlns:r="http://schemas.openxmlformats.org/officeDocument/2006/relationships" xmlns:p="http://schemas.openxmlformats.org/presentationml/2006/main">
   <p:cSld>
     <p:spTree>
@@ -7998,6 +8896,168 @@
     <p:extLst>
       <p:ext uri="{BB962C8B-B14F-4D97-AF65-F5344CB8AC3E}">
         <p14:creationId xmlns:p14="http://schemas.microsoft.com/office/powerpoint/2010/main" val="4014886092"/>
+      </p:ext>
+    </p:extLst>
+  </p:cSld>
+  <p:clrMapOvr>
+    <a:masterClrMapping/>
+  </p:clrMapOvr>
+</p:sld>
+</file>
+
+<file path=ppt/slides/slide9.xml><?xml version="1.0" encoding="utf-8"?>
+<p:sld xmlns:a="http://schemas.openxmlformats.org/drawingml/2006/main" xmlns:r="http://schemas.openxmlformats.org/officeDocument/2006/relationships" xmlns:p="http://schemas.openxmlformats.org/presentationml/2006/main">
+  <p:cSld>
+    <p:spTree>
+      <p:nvGrpSpPr>
+        <p:cNvPr id="1" name=""/>
+        <p:cNvGrpSpPr/>
+        <p:nvPr/>
+      </p:nvGrpSpPr>
+      <p:grpSpPr>
+        <a:xfrm>
+          <a:off x="0" y="0"/>
+          <a:ext cx="0" cy="0"/>
+          <a:chOff x="0" y="0"/>
+          <a:chExt cx="0" cy="0"/>
+        </a:xfrm>
+      </p:grpSpPr>
+      <p:sp>
+        <p:nvSpPr>
+          <p:cNvPr id="3" name="Title 2"/>
+          <p:cNvSpPr>
+            <a:spLocks noGrp="1"/>
+          </p:cNvSpPr>
+          <p:nvPr>
+            <p:ph type="title"/>
+          </p:nvPr>
+        </p:nvSpPr>
+        <p:spPr/>
+        <p:txBody>
+          <a:bodyPr/>
+          <a:lstStyle/>
+          <a:p>
+            <a:pPr algn="ctr"/>
+            <a:r>
+              <a:rPr lang="en-US" sz="2000" dirty="0"/>
+              <a:t>References</a:t>
+            </a:r>
+          </a:p>
+        </p:txBody>
+      </p:sp>
+      <p:sp>
+        <p:nvSpPr>
+          <p:cNvPr id="2" name="직사각형 1">
+            <a:extLst>
+              <a:ext uri="{FF2B5EF4-FFF2-40B4-BE49-F238E27FC236}">
+                <a16:creationId xmlns:a16="http://schemas.microsoft.com/office/drawing/2014/main" id="{6BAF5D20-5BB5-49E6-8614-95E8849FEA4E}"/>
+              </a:ext>
+            </a:extLst>
+          </p:cNvPr>
+          <p:cNvSpPr/>
+          <p:nvPr/>
+        </p:nvSpPr>
+        <p:spPr>
+          <a:xfrm>
+            <a:off x="395536" y="1131590"/>
+            <a:ext cx="8352928" cy="1600438"/>
+          </a:xfrm>
+          <a:prstGeom prst="rect">
+            <a:avLst/>
+          </a:prstGeom>
+        </p:spPr>
+        <p:txBody>
+          <a:bodyPr wrap="square">
+            <a:spAutoFit/>
+          </a:bodyPr>
+          <a:lstStyle/>
+          <a:p>
+            <a:r>
+              <a:rPr lang="en-US" altLang="ko-KR" sz="1400" dirty="0"/>
+              <a:t>[1]</a:t>
+            </a:r>
+            <a:r>
+              <a:rPr lang="en-US" altLang="ko-KR" sz="1400" dirty="0">
+                <a:hlinkClick r:id="rId3"/>
+              </a:rPr>
+              <a:t> https://tykimos.github.io/2017/01/27/Keras_Talk/</a:t>
+            </a:r>
+            <a:endParaRPr lang="en-US" altLang="ko-KR" sz="1400" dirty="0"/>
+          </a:p>
+          <a:p>
+            <a:r>
+              <a:rPr lang="en-US" altLang="ko-KR" sz="1400" dirty="0"/>
+              <a:t>[2]</a:t>
+            </a:r>
+            <a:r>
+              <a:rPr lang="en-US" altLang="ko-KR" sz="1400" dirty="0">
+                <a:hlinkClick r:id="rId4"/>
+              </a:rPr>
+              <a:t> https://brunch.co.kr/@hvnpoet/93</a:t>
+            </a:r>
+            <a:endParaRPr lang="en-US" altLang="ko-KR" sz="1400" dirty="0"/>
+          </a:p>
+          <a:p>
+            <a:r>
+              <a:rPr lang="en-US" altLang="ko-KR" sz="1400" dirty="0"/>
+              <a:t>[3]</a:t>
+            </a:r>
+            <a:r>
+              <a:rPr lang="en-US" altLang="ko-KR" sz="1400" dirty="0">
+                <a:hlinkClick r:id="rId5"/>
+              </a:rPr>
+              <a:t> </a:t>
+            </a:r>
+            <a:r>
+              <a:rPr lang="en-US" altLang="ko-KR" sz="1400" dirty="0">
+                <a:hlinkClick r:id="rId5"/>
+              </a:rPr>
+              <a:t>https://keras.io/ko/</a:t>
+            </a:r>
+            <a:endParaRPr lang="en-US" altLang="ko-KR" sz="1400" dirty="0"/>
+          </a:p>
+          <a:p>
+            <a:r>
+              <a:rPr lang="en-US" altLang="ko-KR" sz="1400" dirty="0"/>
+              <a:t>[4] </a:t>
+            </a:r>
+            <a:r>
+              <a:rPr lang="en-US" altLang="ko-KR" sz="1400" dirty="0">
+                <a:hlinkClick r:id="rId6"/>
+              </a:rPr>
+              <a:t>https://sdc-james.gitbook.io/onebook/1./1.1.-artificial-intelligence/1.1.5</a:t>
+            </a:r>
+            <a:endParaRPr lang="en-US" altLang="ko-KR" sz="1400" dirty="0"/>
+          </a:p>
+          <a:p>
+            <a:r>
+              <a:rPr lang="en-US" altLang="ko-KR" sz="1400" dirty="0"/>
+              <a:t>[5] </a:t>
+            </a:r>
+            <a:r>
+              <a:rPr lang="en-US" altLang="ko-KR" sz="1400" dirty="0">
+                <a:hlinkClick r:id="rId7"/>
+              </a:rPr>
+              <a:t>https://blog.naver.com/dltnwjddldi/221711339912</a:t>
+            </a:r>
+            <a:r>
+              <a:rPr lang="en-US" altLang="ko-KR" sz="1400" dirty="0"/>
+              <a:t> </a:t>
+            </a:r>
+            <a:endParaRPr lang="ko-KR" altLang="en-US" sz="1400" dirty="0"/>
+          </a:p>
+          <a:p>
+            <a:endParaRPr lang="ko-KR" altLang="en-US" sz="1400" dirty="0"/>
+          </a:p>
+          <a:p>
+            <a:endParaRPr lang="ko-KR" altLang="en-US" sz="1400" dirty="0"/>
+          </a:p>
+        </p:txBody>
+      </p:sp>
+    </p:spTree>
+    <p:extLst>
+      <p:ext uri="{BB962C8B-B14F-4D97-AF65-F5344CB8AC3E}">
+        <p14:creationId xmlns:p14="http://schemas.microsoft.com/office/powerpoint/2010/main" val="2792657042"/>
       </p:ext>
     </p:extLst>
   </p:cSld>
